--- a/public/manuscript/Poster (Xinxie Wu).pptx
+++ b/public/manuscript/Poster (Xinxie Wu).pptx
@@ -3407,12 +3407,1962 @@
           <a:chExt cx="0" cy="0"/>
         </a:xfrm>
       </p:grpSpPr>
+      <p:sp>
+        <p:nvSpPr>
+          <p:cNvPr id="10" name="Rectangle: Diagonal Corners Rounded 9">
+            <a:extLst>
+              <a:ext uri="{FF2B5EF4-FFF2-40B4-BE49-F238E27FC236}">
+                <a16:creationId xmlns:a16="http://schemas.microsoft.com/office/drawing/2014/main" id="{994D0FB0-C35F-C09C-B882-FA2D28813E53}"/>
+              </a:ext>
+            </a:extLst>
+          </p:cNvPr>
+          <p:cNvSpPr/>
+          <p:nvPr/>
+        </p:nvSpPr>
+        <p:spPr>
+          <a:xfrm>
+            <a:off x="205903" y="2198451"/>
+            <a:ext cx="7362216" cy="6797003"/>
+          </a:xfrm>
+          <a:prstGeom prst="round2DiagRect">
+            <a:avLst/>
+          </a:prstGeom>
+          <a:noFill/>
+          <a:ln w="63500">
+            <a:solidFill>
+              <a:srgbClr val="CC3300"/>
+            </a:solidFill>
+          </a:ln>
+        </p:spPr>
+        <p:style>
+          <a:lnRef idx="2">
+            <a:schemeClr val="accent1">
+              <a:shade val="50000"/>
+            </a:schemeClr>
+          </a:lnRef>
+          <a:fillRef idx="1">
+            <a:schemeClr val="accent1"/>
+          </a:fillRef>
+          <a:effectRef idx="0">
+            <a:schemeClr val="accent1"/>
+          </a:effectRef>
+          <a:fontRef idx="minor">
+            <a:schemeClr val="lt1"/>
+          </a:fontRef>
+        </p:style>
+        <p:txBody>
+          <a:bodyPr rtlCol="0" anchor="ctr"/>
+          <a:lstStyle/>
+          <a:p>
+            <a:pPr algn="ctr"/>
+            <a:endParaRPr lang="en-US" dirty="0"/>
+          </a:p>
+        </p:txBody>
+      </p:sp>
+      <p:sp>
+        <p:nvSpPr>
+          <p:cNvPr id="5" name="TextBox 4">
+            <a:extLst>
+              <a:ext uri="{FF2B5EF4-FFF2-40B4-BE49-F238E27FC236}">
+                <a16:creationId xmlns:a16="http://schemas.microsoft.com/office/drawing/2014/main" id="{B043ADC9-40CD-D598-58B1-7C0F3BF38474}"/>
+              </a:ext>
+            </a:extLst>
+          </p:cNvPr>
+          <p:cNvSpPr txBox="1"/>
+          <p:nvPr/>
+        </p:nvSpPr>
+        <p:spPr>
+          <a:xfrm>
+            <a:off x="3808381" y="544749"/>
+            <a:ext cx="26133355" cy="1338828"/>
+          </a:xfrm>
+          <a:prstGeom prst="rect">
+            <a:avLst/>
+          </a:prstGeom>
+          <a:noFill/>
+        </p:spPr>
+        <p:txBody>
+          <a:bodyPr wrap="square" rtlCol="0">
+            <a:spAutoFit/>
+          </a:bodyPr>
+          <a:lstStyle/>
+          <a:p>
+            <a:pPr algn="ctr"/>
+            <a:r>
+              <a:rPr lang="en-US" sz="4500" b="1" dirty="0">
+                <a:latin typeface="Times New Roman" panose="02020603050405020304" pitchFamily="18" charset="0"/>
+                <a:cs typeface="Times New Roman" panose="02020603050405020304" pitchFamily="18" charset="0"/>
+              </a:rPr>
+              <a:t>Credit Card Default Analysis – Machine Learning Algorithms</a:t>
+            </a:r>
+          </a:p>
+          <a:p>
+            <a:pPr algn="ctr"/>
+            <a:r>
+              <a:rPr lang="en-US" sz="3600" dirty="0">
+                <a:latin typeface="Times New Roman" panose="02020603050405020304" pitchFamily="18" charset="0"/>
+                <a:cs typeface="Times New Roman" panose="02020603050405020304" pitchFamily="18" charset="0"/>
+              </a:rPr>
+              <a:t>Xinxie Wu, xinxiewu@gmai.com</a:t>
+            </a:r>
+          </a:p>
+        </p:txBody>
+      </p:sp>
+      <p:sp>
+        <p:nvSpPr>
+          <p:cNvPr id="12" name="Rectangle: Diagonal Corners Rounded 11">
+            <a:extLst>
+              <a:ext uri="{FF2B5EF4-FFF2-40B4-BE49-F238E27FC236}">
+                <a16:creationId xmlns:a16="http://schemas.microsoft.com/office/drawing/2014/main" id="{C0238EA7-0A62-2B19-BF7F-7468C9ECEDD2}"/>
+              </a:ext>
+            </a:extLst>
+          </p:cNvPr>
+          <p:cNvSpPr/>
+          <p:nvPr/>
+        </p:nvSpPr>
+        <p:spPr>
+          <a:xfrm>
+            <a:off x="205903" y="9387802"/>
+            <a:ext cx="7362216" cy="12324333"/>
+          </a:xfrm>
+          <a:prstGeom prst="round2DiagRect">
+            <a:avLst/>
+          </a:prstGeom>
+          <a:noFill/>
+          <a:ln w="63500">
+            <a:solidFill>
+              <a:srgbClr val="CC3300"/>
+            </a:solidFill>
+          </a:ln>
+        </p:spPr>
+        <p:style>
+          <a:lnRef idx="2">
+            <a:schemeClr val="accent1">
+              <a:shade val="50000"/>
+            </a:schemeClr>
+          </a:lnRef>
+          <a:fillRef idx="1">
+            <a:schemeClr val="accent1"/>
+          </a:fillRef>
+          <a:effectRef idx="0">
+            <a:schemeClr val="accent1"/>
+          </a:effectRef>
+          <a:fontRef idx="minor">
+            <a:schemeClr val="lt1"/>
+          </a:fontRef>
+        </p:style>
+        <p:txBody>
+          <a:bodyPr rtlCol="0" anchor="ctr"/>
+          <a:lstStyle/>
+          <a:p>
+            <a:pPr algn="ctr"/>
+            <a:endParaRPr lang="en-US" dirty="0"/>
+          </a:p>
+        </p:txBody>
+      </p:sp>
+      <p:sp>
+        <p:nvSpPr>
+          <p:cNvPr id="13" name="Rectangle: Diagonal Corners Rounded 12">
+            <a:extLst>
+              <a:ext uri="{FF2B5EF4-FFF2-40B4-BE49-F238E27FC236}">
+                <a16:creationId xmlns:a16="http://schemas.microsoft.com/office/drawing/2014/main" id="{4A0D4970-EE1D-240D-3FE4-A53AFA66D687}"/>
+              </a:ext>
+            </a:extLst>
+          </p:cNvPr>
+          <p:cNvSpPr/>
+          <p:nvPr/>
+        </p:nvSpPr>
+        <p:spPr>
+          <a:xfrm>
+            <a:off x="8023688" y="2195215"/>
+            <a:ext cx="11279236" cy="8777585"/>
+          </a:xfrm>
+          <a:prstGeom prst="round2DiagRect">
+            <a:avLst/>
+          </a:prstGeom>
+          <a:noFill/>
+          <a:ln w="63500">
+            <a:solidFill>
+              <a:srgbClr val="CC3300"/>
+            </a:solidFill>
+          </a:ln>
+        </p:spPr>
+        <p:style>
+          <a:lnRef idx="2">
+            <a:schemeClr val="accent1">
+              <a:shade val="50000"/>
+            </a:schemeClr>
+          </a:lnRef>
+          <a:fillRef idx="1">
+            <a:schemeClr val="accent1"/>
+          </a:fillRef>
+          <a:effectRef idx="0">
+            <a:schemeClr val="accent1"/>
+          </a:effectRef>
+          <a:fontRef idx="minor">
+            <a:schemeClr val="lt1"/>
+          </a:fontRef>
+        </p:style>
+        <p:txBody>
+          <a:bodyPr rtlCol="0" anchor="ctr"/>
+          <a:lstStyle/>
+          <a:p>
+            <a:pPr algn="ctr"/>
+            <a:endParaRPr lang="en-US" dirty="0"/>
+          </a:p>
+        </p:txBody>
+      </p:sp>
+      <p:sp>
+        <p:nvSpPr>
+          <p:cNvPr id="14" name="Rectangle: Diagonal Corners Rounded 13">
+            <a:extLst>
+              <a:ext uri="{FF2B5EF4-FFF2-40B4-BE49-F238E27FC236}">
+                <a16:creationId xmlns:a16="http://schemas.microsoft.com/office/drawing/2014/main" id="{BC386E57-EDE4-C438-0511-69B53C05E7D6}"/>
+              </a:ext>
+            </a:extLst>
+          </p:cNvPr>
+          <p:cNvSpPr/>
+          <p:nvPr/>
+        </p:nvSpPr>
+        <p:spPr>
+          <a:xfrm>
+            <a:off x="8023689" y="11284439"/>
+            <a:ext cx="7362216" cy="10427696"/>
+          </a:xfrm>
+          <a:prstGeom prst="round2DiagRect">
+            <a:avLst/>
+          </a:prstGeom>
+          <a:noFill/>
+          <a:ln w="63500">
+            <a:solidFill>
+              <a:srgbClr val="CC3300"/>
+            </a:solidFill>
+          </a:ln>
+        </p:spPr>
+        <p:style>
+          <a:lnRef idx="2">
+            <a:schemeClr val="accent1">
+              <a:shade val="50000"/>
+            </a:schemeClr>
+          </a:lnRef>
+          <a:fillRef idx="1">
+            <a:schemeClr val="accent1"/>
+          </a:fillRef>
+          <a:effectRef idx="0">
+            <a:schemeClr val="accent1"/>
+          </a:effectRef>
+          <a:fontRef idx="minor">
+            <a:schemeClr val="lt1"/>
+          </a:fontRef>
+        </p:style>
+        <p:txBody>
+          <a:bodyPr rtlCol="0" anchor="ctr"/>
+          <a:lstStyle/>
+          <a:p>
+            <a:pPr algn="ctr"/>
+            <a:endParaRPr lang="en-US" dirty="0"/>
+          </a:p>
+        </p:txBody>
+      </p:sp>
+      <p:sp>
+        <p:nvSpPr>
+          <p:cNvPr id="15" name="Rectangle: Diagonal Corners Rounded 14">
+            <a:extLst>
+              <a:ext uri="{FF2B5EF4-FFF2-40B4-BE49-F238E27FC236}">
+                <a16:creationId xmlns:a16="http://schemas.microsoft.com/office/drawing/2014/main" id="{91D00234-E0A5-5D5D-8278-BA0A25BA8DA3}"/>
+              </a:ext>
+            </a:extLst>
+          </p:cNvPr>
+          <p:cNvSpPr/>
+          <p:nvPr/>
+        </p:nvSpPr>
+        <p:spPr>
+          <a:xfrm>
+            <a:off x="19786060" y="2191970"/>
+            <a:ext cx="12704322" cy="5826709"/>
+          </a:xfrm>
+          <a:prstGeom prst="round2DiagRect">
+            <a:avLst/>
+          </a:prstGeom>
+          <a:noFill/>
+          <a:ln w="63500">
+            <a:solidFill>
+              <a:srgbClr val="CC3300"/>
+            </a:solidFill>
+          </a:ln>
+        </p:spPr>
+        <p:style>
+          <a:lnRef idx="2">
+            <a:schemeClr val="accent1">
+              <a:shade val="50000"/>
+            </a:schemeClr>
+          </a:lnRef>
+          <a:fillRef idx="1">
+            <a:schemeClr val="accent1"/>
+          </a:fillRef>
+          <a:effectRef idx="0">
+            <a:schemeClr val="accent1"/>
+          </a:effectRef>
+          <a:fontRef idx="minor">
+            <a:schemeClr val="lt1"/>
+          </a:fontRef>
+        </p:style>
+        <p:txBody>
+          <a:bodyPr rtlCol="0" anchor="ctr"/>
+          <a:lstStyle/>
+          <a:p>
+            <a:pPr algn="ctr"/>
+            <a:endParaRPr lang="en-US" dirty="0"/>
+          </a:p>
+        </p:txBody>
+      </p:sp>
+      <p:sp>
+        <p:nvSpPr>
+          <p:cNvPr id="16" name="Rectangle: Diagonal Corners Rounded 15">
+            <a:extLst>
+              <a:ext uri="{FF2B5EF4-FFF2-40B4-BE49-F238E27FC236}">
+                <a16:creationId xmlns:a16="http://schemas.microsoft.com/office/drawing/2014/main" id="{2297182E-C737-FE55-74E4-84075CE97EDB}"/>
+              </a:ext>
+            </a:extLst>
+          </p:cNvPr>
+          <p:cNvSpPr/>
+          <p:nvPr/>
+        </p:nvSpPr>
+        <p:spPr>
+          <a:xfrm>
+            <a:off x="15841475" y="11277958"/>
+            <a:ext cx="16707267" cy="5619392"/>
+          </a:xfrm>
+          <a:prstGeom prst="round2DiagRect">
+            <a:avLst/>
+          </a:prstGeom>
+          <a:noFill/>
+          <a:ln w="63500">
+            <a:solidFill>
+              <a:srgbClr val="CC3300"/>
+            </a:solidFill>
+          </a:ln>
+        </p:spPr>
+        <p:style>
+          <a:lnRef idx="2">
+            <a:schemeClr val="accent1">
+              <a:shade val="50000"/>
+            </a:schemeClr>
+          </a:lnRef>
+          <a:fillRef idx="1">
+            <a:schemeClr val="accent1"/>
+          </a:fillRef>
+          <a:effectRef idx="0">
+            <a:schemeClr val="accent1"/>
+          </a:effectRef>
+          <a:fontRef idx="minor">
+            <a:schemeClr val="lt1"/>
+          </a:fontRef>
+        </p:style>
+        <p:txBody>
+          <a:bodyPr rtlCol="0" anchor="ctr"/>
+          <a:lstStyle/>
+          <a:p>
+            <a:pPr algn="ctr"/>
+            <a:endParaRPr lang="en-US" dirty="0"/>
+          </a:p>
+        </p:txBody>
+      </p:sp>
+      <p:sp>
+        <p:nvSpPr>
+          <p:cNvPr id="17" name="Rectangle: Diagonal Corners Rounded 16">
+            <a:extLst>
+              <a:ext uri="{FF2B5EF4-FFF2-40B4-BE49-F238E27FC236}">
+                <a16:creationId xmlns:a16="http://schemas.microsoft.com/office/drawing/2014/main" id="{643C2FE3-FD78-64B4-B8A1-C8A7053CE85D}"/>
+              </a:ext>
+            </a:extLst>
+          </p:cNvPr>
+          <p:cNvSpPr/>
+          <p:nvPr/>
+        </p:nvSpPr>
+        <p:spPr>
+          <a:xfrm>
+            <a:off x="15841474" y="17187359"/>
+            <a:ext cx="8458219" cy="4524776"/>
+          </a:xfrm>
+          <a:prstGeom prst="round2DiagRect">
+            <a:avLst/>
+          </a:prstGeom>
+          <a:noFill/>
+          <a:ln w="63500">
+            <a:solidFill>
+              <a:srgbClr val="CC3300"/>
+            </a:solidFill>
+          </a:ln>
+        </p:spPr>
+        <p:style>
+          <a:lnRef idx="2">
+            <a:schemeClr val="accent1">
+              <a:shade val="50000"/>
+            </a:schemeClr>
+          </a:lnRef>
+          <a:fillRef idx="1">
+            <a:schemeClr val="accent1"/>
+          </a:fillRef>
+          <a:effectRef idx="0">
+            <a:schemeClr val="accent1"/>
+          </a:effectRef>
+          <a:fontRef idx="minor">
+            <a:schemeClr val="lt1"/>
+          </a:fontRef>
+        </p:style>
+        <p:txBody>
+          <a:bodyPr rtlCol="0" anchor="ctr"/>
+          <a:lstStyle/>
+          <a:p>
+            <a:pPr algn="ctr"/>
+            <a:endParaRPr lang="en-US" dirty="0"/>
+          </a:p>
+        </p:txBody>
+      </p:sp>
+      <p:sp>
+        <p:nvSpPr>
+          <p:cNvPr id="18" name="Rectangle: Diagonal Corners Rounded 17">
+            <a:extLst>
+              <a:ext uri="{FF2B5EF4-FFF2-40B4-BE49-F238E27FC236}">
+                <a16:creationId xmlns:a16="http://schemas.microsoft.com/office/drawing/2014/main" id="{0A06E4F9-3987-033F-7EA7-117E21C5F13A}"/>
+              </a:ext>
+            </a:extLst>
+          </p:cNvPr>
+          <p:cNvSpPr/>
+          <p:nvPr/>
+        </p:nvSpPr>
+        <p:spPr>
+          <a:xfrm>
+            <a:off x="24708255" y="17193149"/>
+            <a:ext cx="7782127" cy="4518986"/>
+          </a:xfrm>
+          <a:prstGeom prst="round2DiagRect">
+            <a:avLst/>
+          </a:prstGeom>
+          <a:noFill/>
+          <a:ln w="63500">
+            <a:solidFill>
+              <a:srgbClr val="CC3300"/>
+            </a:solidFill>
+          </a:ln>
+        </p:spPr>
+        <p:style>
+          <a:lnRef idx="2">
+            <a:schemeClr val="accent1">
+              <a:shade val="50000"/>
+            </a:schemeClr>
+          </a:lnRef>
+          <a:fillRef idx="1">
+            <a:schemeClr val="accent1"/>
+          </a:fillRef>
+          <a:effectRef idx="0">
+            <a:schemeClr val="accent1"/>
+          </a:effectRef>
+          <a:fontRef idx="minor">
+            <a:schemeClr val="lt1"/>
+          </a:fontRef>
+        </p:style>
+        <p:txBody>
+          <a:bodyPr rtlCol="0" anchor="ctr"/>
+          <a:lstStyle/>
+          <a:p>
+            <a:pPr algn="ctr"/>
+            <a:endParaRPr lang="en-US" dirty="0"/>
+          </a:p>
+        </p:txBody>
+      </p:sp>
+      <p:sp>
+        <p:nvSpPr>
+          <p:cNvPr id="31" name="Rectangle: Diagonal Corners Rounded 30">
+            <a:extLst>
+              <a:ext uri="{FF2B5EF4-FFF2-40B4-BE49-F238E27FC236}">
+                <a16:creationId xmlns:a16="http://schemas.microsoft.com/office/drawing/2014/main" id="{F9E42811-095D-DA62-F658-99F1FBF960CF}"/>
+              </a:ext>
+            </a:extLst>
+          </p:cNvPr>
+          <p:cNvSpPr/>
+          <p:nvPr/>
+        </p:nvSpPr>
+        <p:spPr>
+          <a:xfrm>
+            <a:off x="19782820" y="2188730"/>
+            <a:ext cx="12704322" cy="984664"/>
+          </a:xfrm>
+          <a:prstGeom prst="round2DiagRect">
+            <a:avLst/>
+          </a:prstGeom>
+          <a:solidFill>
+            <a:srgbClr val="CC3300"/>
+          </a:solidFill>
+          <a:ln w="63500">
+            <a:solidFill>
+              <a:srgbClr val="CC3300"/>
+            </a:solidFill>
+          </a:ln>
+        </p:spPr>
+        <p:style>
+          <a:lnRef idx="2">
+            <a:schemeClr val="accent1">
+              <a:shade val="50000"/>
+            </a:schemeClr>
+          </a:lnRef>
+          <a:fillRef idx="1">
+            <a:schemeClr val="accent1"/>
+          </a:fillRef>
+          <a:effectRef idx="0">
+            <a:schemeClr val="accent1"/>
+          </a:effectRef>
+          <a:fontRef idx="minor">
+            <a:schemeClr val="lt1"/>
+          </a:fontRef>
+        </p:style>
+        <p:txBody>
+          <a:bodyPr rtlCol="0" anchor="ctr"/>
+          <a:lstStyle/>
+          <a:p>
+            <a:pPr algn="ctr"/>
+            <a:endParaRPr lang="en-US" dirty="0"/>
+          </a:p>
+        </p:txBody>
+      </p:sp>
+      <p:sp>
+        <p:nvSpPr>
+          <p:cNvPr id="32" name="TextBox 31">
+            <a:extLst>
+              <a:ext uri="{FF2B5EF4-FFF2-40B4-BE49-F238E27FC236}">
+                <a16:creationId xmlns:a16="http://schemas.microsoft.com/office/drawing/2014/main" id="{1067B15C-E9BC-7C16-4B04-D4A84EAAD66A}"/>
+              </a:ext>
+            </a:extLst>
+          </p:cNvPr>
+          <p:cNvSpPr txBox="1"/>
+          <p:nvPr/>
+        </p:nvSpPr>
+        <p:spPr>
+          <a:xfrm>
+            <a:off x="19797393" y="2380766"/>
+            <a:ext cx="12689750" cy="646331"/>
+          </a:xfrm>
+          <a:prstGeom prst="rect">
+            <a:avLst/>
+          </a:prstGeom>
+          <a:noFill/>
+        </p:spPr>
+        <p:txBody>
+          <a:bodyPr wrap="square" rtlCol="0">
+            <a:spAutoFit/>
+          </a:bodyPr>
+          <a:lstStyle/>
+          <a:p>
+            <a:pPr algn="ctr"/>
+            <a:r>
+              <a:rPr lang="en-US" sz="3600" b="1" dirty="0">
+                <a:solidFill>
+                  <a:schemeClr val="bg1"/>
+                </a:solidFill>
+                <a:latin typeface="Times New Roman" panose="02020603050405020304" pitchFamily="18" charset="0"/>
+                <a:cs typeface="Times New Roman" panose="02020603050405020304" pitchFamily="18" charset="0"/>
+              </a:rPr>
+              <a:t>2-Part Methodology: Models &amp; Workflow</a:t>
+            </a:r>
+          </a:p>
+        </p:txBody>
+      </p:sp>
+      <p:sp>
+        <p:nvSpPr>
+          <p:cNvPr id="33" name="Rectangle: Diagonal Corners Rounded 32">
+            <a:extLst>
+              <a:ext uri="{FF2B5EF4-FFF2-40B4-BE49-F238E27FC236}">
+                <a16:creationId xmlns:a16="http://schemas.microsoft.com/office/drawing/2014/main" id="{3077BDE0-38C9-7B6B-F7D0-F72BEFFCB862}"/>
+              </a:ext>
+            </a:extLst>
+          </p:cNvPr>
+          <p:cNvSpPr/>
+          <p:nvPr/>
+        </p:nvSpPr>
+        <p:spPr>
+          <a:xfrm>
+            <a:off x="8082063" y="2185490"/>
+            <a:ext cx="11220861" cy="984664"/>
+          </a:xfrm>
+          <a:prstGeom prst="round2DiagRect">
+            <a:avLst/>
+          </a:prstGeom>
+          <a:solidFill>
+            <a:srgbClr val="CC3300"/>
+          </a:solidFill>
+          <a:ln w="63500">
+            <a:solidFill>
+              <a:srgbClr val="CC3300"/>
+            </a:solidFill>
+          </a:ln>
+        </p:spPr>
+        <p:style>
+          <a:lnRef idx="2">
+            <a:schemeClr val="accent1">
+              <a:shade val="50000"/>
+            </a:schemeClr>
+          </a:lnRef>
+          <a:fillRef idx="1">
+            <a:schemeClr val="accent1"/>
+          </a:fillRef>
+          <a:effectRef idx="0">
+            <a:schemeClr val="accent1"/>
+          </a:effectRef>
+          <a:fontRef idx="minor">
+            <a:schemeClr val="lt1"/>
+          </a:fontRef>
+        </p:style>
+        <p:txBody>
+          <a:bodyPr rtlCol="0" anchor="ctr"/>
+          <a:lstStyle/>
+          <a:p>
+            <a:pPr algn="ctr"/>
+            <a:endParaRPr lang="en-US" dirty="0"/>
+          </a:p>
+        </p:txBody>
+      </p:sp>
+      <p:sp>
+        <p:nvSpPr>
+          <p:cNvPr id="34" name="TextBox 33">
+            <a:extLst>
+              <a:ext uri="{FF2B5EF4-FFF2-40B4-BE49-F238E27FC236}">
+                <a16:creationId xmlns:a16="http://schemas.microsoft.com/office/drawing/2014/main" id="{A1111F38-C30D-7777-8A02-76D6488C4AAE}"/>
+              </a:ext>
+            </a:extLst>
+          </p:cNvPr>
+          <p:cNvSpPr txBox="1"/>
+          <p:nvPr/>
+        </p:nvSpPr>
+        <p:spPr>
+          <a:xfrm>
+            <a:off x="8140388" y="2377526"/>
+            <a:ext cx="11177107" cy="646331"/>
+          </a:xfrm>
+          <a:prstGeom prst="rect">
+            <a:avLst/>
+          </a:prstGeom>
+          <a:noFill/>
+        </p:spPr>
+        <p:txBody>
+          <a:bodyPr wrap="square" rtlCol="0">
+            <a:spAutoFit/>
+          </a:bodyPr>
+          <a:lstStyle/>
+          <a:p>
+            <a:pPr algn="ctr"/>
+            <a:r>
+              <a:rPr lang="en-US" sz="3600" b="1" dirty="0">
+                <a:solidFill>
+                  <a:schemeClr val="bg1"/>
+                </a:solidFill>
+                <a:latin typeface="Times New Roman" panose="02020603050405020304" pitchFamily="18" charset="0"/>
+                <a:cs typeface="Times New Roman" panose="02020603050405020304" pitchFamily="18" charset="0"/>
+              </a:rPr>
+              <a:t>Dataset &amp; Features: Default of Credit Card Clients</a:t>
+            </a:r>
+          </a:p>
+        </p:txBody>
+      </p:sp>
+      <p:sp>
+        <p:nvSpPr>
+          <p:cNvPr id="36" name="TextBox 35">
+            <a:extLst>
+              <a:ext uri="{FF2B5EF4-FFF2-40B4-BE49-F238E27FC236}">
+                <a16:creationId xmlns:a16="http://schemas.microsoft.com/office/drawing/2014/main" id="{A359C509-1F4C-E854-3DEE-CAB510E43AF5}"/>
+              </a:ext>
+            </a:extLst>
+          </p:cNvPr>
+          <p:cNvSpPr txBox="1"/>
+          <p:nvPr/>
+        </p:nvSpPr>
+        <p:spPr>
+          <a:xfrm>
+            <a:off x="8179028" y="7001644"/>
+            <a:ext cx="11159297" cy="3785652"/>
+          </a:xfrm>
+          <a:prstGeom prst="rect">
+            <a:avLst/>
+          </a:prstGeom>
+          <a:noFill/>
+        </p:spPr>
+        <p:txBody>
+          <a:bodyPr wrap="square" rtlCol="0">
+            <a:spAutoFit/>
+          </a:bodyPr>
+          <a:lstStyle/>
+          <a:p>
+            <a:r>
+              <a:rPr lang="en-US" sz="3000" dirty="0">
+                <a:latin typeface="Times New Roman" panose="02020603050405020304" pitchFamily="18" charset="0"/>
+                <a:cs typeface="Times New Roman" panose="02020603050405020304" pitchFamily="18" charset="0"/>
+              </a:rPr>
+              <a:t>Dataset has 30</a:t>
+            </a:r>
+            <a:r>
+              <a:rPr lang="en-US" altLang="zh-CN" sz="3000" dirty="0">
+                <a:latin typeface="Times New Roman" panose="02020603050405020304" pitchFamily="18" charset="0"/>
+                <a:cs typeface="Times New Roman" panose="02020603050405020304" pitchFamily="18" charset="0"/>
+              </a:rPr>
+              <a:t>k</a:t>
+            </a:r>
+            <a:r>
+              <a:rPr lang="en-US" sz="3000" dirty="0">
+                <a:latin typeface="Times New Roman" panose="02020603050405020304" pitchFamily="18" charset="0"/>
+                <a:cs typeface="Times New Roman" panose="02020603050405020304" pitchFamily="18" charset="0"/>
+              </a:rPr>
+              <a:t> observations, 6,636 (22%) default; includes 23 attributes covering demographic and card historical information. All features are used and further analyzed by PCA &amp; K-means.</a:t>
+            </a:r>
+          </a:p>
+          <a:p>
+            <a:r>
+              <a:rPr lang="en-US" sz="3000" b="1" dirty="0">
+                <a:latin typeface="Times New Roman" panose="02020603050405020304" pitchFamily="18" charset="0"/>
+                <a:cs typeface="Times New Roman" panose="02020603050405020304" pitchFamily="18" charset="0"/>
+              </a:rPr>
+              <a:t>EDA</a:t>
+            </a:r>
+            <a:r>
+              <a:rPr lang="en-US" sz="3000" dirty="0">
+                <a:latin typeface="Times New Roman" panose="02020603050405020304" pitchFamily="18" charset="0"/>
+                <a:cs typeface="Times New Roman" panose="02020603050405020304" pitchFamily="18" charset="0"/>
+              </a:rPr>
+              <a:t>:</a:t>
+            </a:r>
+          </a:p>
+          <a:p>
+            <a:pPr marL="914400" lvl="1" indent="-457200">
+              <a:buFont typeface="+mj-lt"/>
+              <a:buAutoNum type="arabicPeriod"/>
+            </a:pPr>
+            <a:r>
+              <a:rPr lang="en-US" sz="3000" dirty="0">
+                <a:latin typeface="Times New Roman" panose="02020603050405020304" pitchFamily="18" charset="0"/>
+                <a:cs typeface="Times New Roman" panose="02020603050405020304" pitchFamily="18" charset="0"/>
+              </a:rPr>
+              <a:t>No Missing Value – Reasonable Values</a:t>
+            </a:r>
+          </a:p>
+          <a:p>
+            <a:pPr marL="971550" lvl="1" indent="-514350">
+              <a:buFont typeface="+mj-lt"/>
+              <a:buAutoNum type="arabicPeriod"/>
+            </a:pPr>
+            <a:r>
+              <a:rPr lang="en-US" sz="3000" dirty="0">
+                <a:latin typeface="Times New Roman" panose="02020603050405020304" pitchFamily="18" charset="0"/>
+                <a:cs typeface="Times New Roman" panose="02020603050405020304" pitchFamily="18" charset="0"/>
+              </a:rPr>
+              <a:t>Normalization &amp; Discretization (9 Categories)</a:t>
+            </a:r>
+          </a:p>
+          <a:p>
+            <a:pPr marL="971550" lvl="1" indent="-514350">
+              <a:buFont typeface="+mj-lt"/>
+              <a:buAutoNum type="arabicPeriod"/>
+            </a:pPr>
+            <a:r>
+              <a:rPr lang="en-US" sz="3000" dirty="0">
+                <a:latin typeface="Times New Roman" panose="02020603050405020304" pitchFamily="18" charset="0"/>
+                <a:cs typeface="Times New Roman" panose="02020603050405020304" pitchFamily="18" charset="0"/>
+              </a:rPr>
+              <a:t>Correlation Matrix – Marriage &amp; Age (0.41)</a:t>
+            </a:r>
+          </a:p>
+          <a:p>
+            <a:pPr marL="971550" lvl="1" indent="-514350">
+              <a:buFont typeface="+mj-lt"/>
+              <a:buAutoNum type="arabicPeriod"/>
+            </a:pPr>
+            <a:r>
+              <a:rPr lang="en-US" sz="3000" dirty="0">
+                <a:latin typeface="Times New Roman" panose="02020603050405020304" pitchFamily="18" charset="0"/>
+                <a:cs typeface="Times New Roman" panose="02020603050405020304" pitchFamily="18" charset="0"/>
+              </a:rPr>
+              <a:t>Training vs Testing: 80% / 20%</a:t>
+            </a:r>
+          </a:p>
+        </p:txBody>
+      </p:sp>
+      <p:sp>
+        <p:nvSpPr>
+          <p:cNvPr id="37" name="Rectangle: Diagonal Corners Rounded 36">
+            <a:extLst>
+              <a:ext uri="{FF2B5EF4-FFF2-40B4-BE49-F238E27FC236}">
+                <a16:creationId xmlns:a16="http://schemas.microsoft.com/office/drawing/2014/main" id="{1CFA7D0A-9791-C3D7-B5DE-5A225B75A7B6}"/>
+              </a:ext>
+            </a:extLst>
+          </p:cNvPr>
+          <p:cNvSpPr/>
+          <p:nvPr/>
+        </p:nvSpPr>
+        <p:spPr>
+          <a:xfrm>
+            <a:off x="8020448" y="2191975"/>
+            <a:ext cx="11279236" cy="8777585"/>
+          </a:xfrm>
+          <a:prstGeom prst="round2DiagRect">
+            <a:avLst/>
+          </a:prstGeom>
+          <a:noFill/>
+          <a:ln w="63500">
+            <a:solidFill>
+              <a:srgbClr val="CC3300"/>
+            </a:solidFill>
+          </a:ln>
+        </p:spPr>
+        <p:style>
+          <a:lnRef idx="2">
+            <a:schemeClr val="accent1">
+              <a:shade val="50000"/>
+            </a:schemeClr>
+          </a:lnRef>
+          <a:fillRef idx="1">
+            <a:schemeClr val="accent1"/>
+          </a:fillRef>
+          <a:effectRef idx="0">
+            <a:schemeClr val="accent1"/>
+          </a:effectRef>
+          <a:fontRef idx="minor">
+            <a:schemeClr val="lt1"/>
+          </a:fontRef>
+        </p:style>
+        <p:txBody>
+          <a:bodyPr rtlCol="0" anchor="ctr"/>
+          <a:lstStyle/>
+          <a:p>
+            <a:pPr algn="ctr"/>
+            <a:endParaRPr lang="en-US" dirty="0"/>
+          </a:p>
+        </p:txBody>
+      </p:sp>
+      <p:sp>
+        <p:nvSpPr>
+          <p:cNvPr id="38" name="Rectangle: Diagonal Corners Rounded 37">
+            <a:extLst>
+              <a:ext uri="{FF2B5EF4-FFF2-40B4-BE49-F238E27FC236}">
+                <a16:creationId xmlns:a16="http://schemas.microsoft.com/office/drawing/2014/main" id="{C6D8DEB4-09BD-C50C-20AB-F4FF82BF6075}"/>
+              </a:ext>
+            </a:extLst>
+          </p:cNvPr>
+          <p:cNvSpPr/>
+          <p:nvPr/>
+        </p:nvSpPr>
+        <p:spPr>
+          <a:xfrm>
+            <a:off x="222118" y="2195211"/>
+            <a:ext cx="7346001" cy="937099"/>
+          </a:xfrm>
+          <a:prstGeom prst="round2DiagRect">
+            <a:avLst/>
+          </a:prstGeom>
+          <a:solidFill>
+            <a:srgbClr val="CC3300"/>
+          </a:solidFill>
+          <a:ln w="63500">
+            <a:solidFill>
+              <a:srgbClr val="CC3300"/>
+            </a:solidFill>
+          </a:ln>
+        </p:spPr>
+        <p:style>
+          <a:lnRef idx="2">
+            <a:schemeClr val="accent1">
+              <a:shade val="50000"/>
+            </a:schemeClr>
+          </a:lnRef>
+          <a:fillRef idx="1">
+            <a:schemeClr val="accent1"/>
+          </a:fillRef>
+          <a:effectRef idx="0">
+            <a:schemeClr val="accent1"/>
+          </a:effectRef>
+          <a:fontRef idx="minor">
+            <a:schemeClr val="lt1"/>
+          </a:fontRef>
+        </p:style>
+        <p:txBody>
+          <a:bodyPr rtlCol="0" anchor="ctr"/>
+          <a:lstStyle/>
+          <a:p>
+            <a:pPr algn="ctr"/>
+            <a:endParaRPr lang="en-US" dirty="0"/>
+          </a:p>
+        </p:txBody>
+      </p:sp>
+      <p:sp>
+        <p:nvSpPr>
+          <p:cNvPr id="39" name="TextBox 38">
+            <a:extLst>
+              <a:ext uri="{FF2B5EF4-FFF2-40B4-BE49-F238E27FC236}">
+                <a16:creationId xmlns:a16="http://schemas.microsoft.com/office/drawing/2014/main" id="{DB8DBB13-048D-F88C-142D-7F492EF81CC2}"/>
+              </a:ext>
+            </a:extLst>
+          </p:cNvPr>
+          <p:cNvSpPr txBox="1"/>
+          <p:nvPr/>
+        </p:nvSpPr>
+        <p:spPr>
+          <a:xfrm>
+            <a:off x="222119" y="2353745"/>
+            <a:ext cx="7357334" cy="646331"/>
+          </a:xfrm>
+          <a:prstGeom prst="rect">
+            <a:avLst/>
+          </a:prstGeom>
+          <a:noFill/>
+        </p:spPr>
+        <p:txBody>
+          <a:bodyPr wrap="square" rtlCol="0">
+            <a:spAutoFit/>
+          </a:bodyPr>
+          <a:lstStyle/>
+          <a:p>
+            <a:pPr algn="ctr"/>
+            <a:r>
+              <a:rPr lang="en-US" sz="3600" b="1" dirty="0">
+                <a:solidFill>
+                  <a:schemeClr val="bg1"/>
+                </a:solidFill>
+                <a:latin typeface="Times New Roman" panose="02020603050405020304" pitchFamily="18" charset="0"/>
+                <a:cs typeface="Times New Roman" panose="02020603050405020304" pitchFamily="18" charset="0"/>
+              </a:rPr>
+              <a:t>Predicting</a:t>
+            </a:r>
+          </a:p>
+        </p:txBody>
+      </p:sp>
+      <p:sp>
+        <p:nvSpPr>
+          <p:cNvPr id="40" name="Rectangle: Diagonal Corners Rounded 39">
+            <a:extLst>
+              <a:ext uri="{FF2B5EF4-FFF2-40B4-BE49-F238E27FC236}">
+                <a16:creationId xmlns:a16="http://schemas.microsoft.com/office/drawing/2014/main" id="{4B1D23E1-EB77-D4A3-B891-C80BEDB27CB4}"/>
+              </a:ext>
+            </a:extLst>
+          </p:cNvPr>
+          <p:cNvSpPr/>
+          <p:nvPr/>
+        </p:nvSpPr>
+        <p:spPr>
+          <a:xfrm>
+            <a:off x="24705015" y="17190733"/>
+            <a:ext cx="7782127" cy="610890"/>
+          </a:xfrm>
+          <a:prstGeom prst="round2DiagRect">
+            <a:avLst/>
+          </a:prstGeom>
+          <a:solidFill>
+            <a:srgbClr val="CC3300"/>
+          </a:solidFill>
+          <a:ln w="63500">
+            <a:solidFill>
+              <a:srgbClr val="CC3300"/>
+            </a:solidFill>
+          </a:ln>
+        </p:spPr>
+        <p:style>
+          <a:lnRef idx="2">
+            <a:schemeClr val="accent1">
+              <a:shade val="50000"/>
+            </a:schemeClr>
+          </a:lnRef>
+          <a:fillRef idx="1">
+            <a:schemeClr val="accent1"/>
+          </a:fillRef>
+          <a:effectRef idx="0">
+            <a:schemeClr val="accent1"/>
+          </a:effectRef>
+          <a:fontRef idx="minor">
+            <a:schemeClr val="lt1"/>
+          </a:fontRef>
+        </p:style>
+        <p:txBody>
+          <a:bodyPr rtlCol="0" anchor="ctr"/>
+          <a:lstStyle/>
+          <a:p>
+            <a:pPr algn="ctr"/>
+            <a:endParaRPr lang="en-US" dirty="0"/>
+          </a:p>
+        </p:txBody>
+      </p:sp>
+      <p:sp>
+        <p:nvSpPr>
+          <p:cNvPr id="42" name="TextBox 41">
+            <a:extLst>
+              <a:ext uri="{FF2B5EF4-FFF2-40B4-BE49-F238E27FC236}">
+                <a16:creationId xmlns:a16="http://schemas.microsoft.com/office/drawing/2014/main" id="{8EA7A839-B2F7-258F-855E-93A9E5AAF005}"/>
+              </a:ext>
+            </a:extLst>
+          </p:cNvPr>
+          <p:cNvSpPr txBox="1"/>
+          <p:nvPr/>
+        </p:nvSpPr>
+        <p:spPr>
+          <a:xfrm>
+            <a:off x="24708256" y="17187359"/>
+            <a:ext cx="7785366" cy="646331"/>
+          </a:xfrm>
+          <a:prstGeom prst="rect">
+            <a:avLst/>
+          </a:prstGeom>
+          <a:noFill/>
+        </p:spPr>
+        <p:txBody>
+          <a:bodyPr wrap="square" rtlCol="0">
+            <a:spAutoFit/>
+          </a:bodyPr>
+          <a:lstStyle/>
+          <a:p>
+            <a:pPr algn="ctr"/>
+            <a:r>
+              <a:rPr lang="en-US" sz="3600" b="1" dirty="0">
+                <a:solidFill>
+                  <a:schemeClr val="bg1"/>
+                </a:solidFill>
+                <a:latin typeface="Times New Roman" panose="02020603050405020304" pitchFamily="18" charset="0"/>
+                <a:cs typeface="Times New Roman" panose="02020603050405020304" pitchFamily="18" charset="0"/>
+              </a:rPr>
+              <a:t>References</a:t>
+            </a:r>
+          </a:p>
+        </p:txBody>
+      </p:sp>
+      <p:sp>
+        <p:nvSpPr>
+          <p:cNvPr id="43" name="TextBox 42">
+            <a:extLst>
+              <a:ext uri="{FF2B5EF4-FFF2-40B4-BE49-F238E27FC236}">
+                <a16:creationId xmlns:a16="http://schemas.microsoft.com/office/drawing/2014/main" id="{98A0C529-6ABE-58C7-7803-78A9B800C6C7}"/>
+              </a:ext>
+            </a:extLst>
+          </p:cNvPr>
+          <p:cNvSpPr txBox="1"/>
+          <p:nvPr/>
+        </p:nvSpPr>
+        <p:spPr>
+          <a:xfrm>
+            <a:off x="222118" y="3132310"/>
+            <a:ext cx="7311954" cy="5863144"/>
+          </a:xfrm>
+          <a:prstGeom prst="rect">
+            <a:avLst/>
+          </a:prstGeom>
+          <a:noFill/>
+        </p:spPr>
+        <p:txBody>
+          <a:bodyPr wrap="square" rtlCol="0">
+            <a:spAutoFit/>
+          </a:bodyPr>
+          <a:lstStyle/>
+          <a:p>
+            <a:r>
+              <a:rPr lang="en-US" sz="2500" dirty="0">
+                <a:latin typeface="Times New Roman" panose="02020603050405020304" pitchFamily="18" charset="0"/>
+                <a:cs typeface="Times New Roman" panose="02020603050405020304" pitchFamily="18" charset="0"/>
+              </a:rPr>
+              <a:t>In banking, Credit Risk is a big issue; Banks use various techniques for </a:t>
+            </a:r>
+            <a:r>
+              <a:rPr lang="en-US" sz="2500" b="1" dirty="0">
+                <a:latin typeface="Times New Roman" panose="02020603050405020304" pitchFamily="18" charset="0"/>
+                <a:cs typeface="Times New Roman" panose="02020603050405020304" pitchFamily="18" charset="0"/>
+              </a:rPr>
+              <a:t>Credit Card Default Analysis</a:t>
+            </a:r>
+            <a:r>
+              <a:rPr lang="en-US" sz="2500" dirty="0">
+                <a:latin typeface="Times New Roman" panose="02020603050405020304" pitchFamily="18" charset="0"/>
+                <a:cs typeface="Times New Roman" panose="02020603050405020304" pitchFamily="18" charset="0"/>
+              </a:rPr>
+              <a:t>.</a:t>
+            </a:r>
+          </a:p>
+          <a:p>
+            <a:r>
+              <a:rPr lang="en-US" sz="2500" dirty="0">
+                <a:latin typeface="Times New Roman" panose="02020603050405020304" pitchFamily="18" charset="0"/>
+                <a:cs typeface="Times New Roman" panose="02020603050405020304" pitchFamily="18" charset="0"/>
+              </a:rPr>
+              <a:t>This research applies </a:t>
+            </a:r>
+            <a:r>
+              <a:rPr lang="en-US" sz="2500" b="1" dirty="0">
+                <a:latin typeface="Times New Roman" panose="02020603050405020304" pitchFamily="18" charset="0"/>
+                <a:cs typeface="Times New Roman" panose="02020603050405020304" pitchFamily="18" charset="0"/>
+              </a:rPr>
+              <a:t>2-part methodology</a:t>
+            </a:r>
+            <a:r>
+              <a:rPr lang="en-US" sz="2500" dirty="0">
+                <a:latin typeface="Times New Roman" panose="02020603050405020304" pitchFamily="18" charset="0"/>
+                <a:cs typeface="Times New Roman" panose="02020603050405020304" pitchFamily="18" charset="0"/>
+              </a:rPr>
+              <a:t> into default analysis and prediction, based on the dataset of </a:t>
+            </a:r>
+            <a:r>
+              <a:rPr lang="en-US" sz="2500" b="1" dirty="0">
+                <a:latin typeface="Times New Roman" panose="02020603050405020304" pitchFamily="18" charset="0"/>
+                <a:cs typeface="Times New Roman" panose="02020603050405020304" pitchFamily="18" charset="0"/>
+              </a:rPr>
+              <a:t>Default of Credit Card Clients</a:t>
+            </a:r>
+            <a:r>
+              <a:rPr lang="en-US" sz="2500" dirty="0">
+                <a:latin typeface="Times New Roman" panose="02020603050405020304" pitchFamily="18" charset="0"/>
+                <a:cs typeface="Times New Roman" panose="02020603050405020304" pitchFamily="18" charset="0"/>
+              </a:rPr>
+              <a:t>.</a:t>
+            </a:r>
+          </a:p>
+          <a:p>
+            <a:r>
+              <a:rPr lang="en-US" sz="2500" dirty="0">
+                <a:latin typeface="Times New Roman" panose="02020603050405020304" pitchFamily="18" charset="0"/>
+                <a:cs typeface="Times New Roman" panose="02020603050405020304" pitchFamily="18" charset="0"/>
+              </a:rPr>
+              <a:t>In </a:t>
+            </a:r>
+            <a:r>
+              <a:rPr lang="en-US" sz="2500" b="1" dirty="0">
+                <a:latin typeface="Times New Roman" panose="02020603050405020304" pitchFamily="18" charset="0"/>
+                <a:cs typeface="Times New Roman" panose="02020603050405020304" pitchFamily="18" charset="0"/>
+              </a:rPr>
+              <a:t>baseline</a:t>
+            </a:r>
+            <a:r>
+              <a:rPr lang="en-US" sz="2500" dirty="0">
+                <a:latin typeface="Times New Roman" panose="02020603050405020304" pitchFamily="18" charset="0"/>
+                <a:cs typeface="Times New Roman" panose="02020603050405020304" pitchFamily="18" charset="0"/>
+              </a:rPr>
+              <a:t> approach, we train Logistic Regression, Naïve Bayes, Gaussian Discriminant Analysis, Decision Tree and SVM for both continuous and discrete features, with total accuracy of ~80% but imbalanced pos-neg gap, &gt;45%.</a:t>
+            </a:r>
+          </a:p>
+          <a:p>
+            <a:r>
+              <a:rPr lang="en-US" sz="2500" dirty="0">
+                <a:latin typeface="Times New Roman" panose="02020603050405020304" pitchFamily="18" charset="0"/>
+                <a:cs typeface="Times New Roman" panose="02020603050405020304" pitchFamily="18" charset="0"/>
+              </a:rPr>
+              <a:t>In </a:t>
+            </a:r>
+            <a:r>
+              <a:rPr lang="en-US" sz="2500" b="1" dirty="0">
+                <a:latin typeface="Times New Roman" panose="02020603050405020304" pitchFamily="18" charset="0"/>
+                <a:cs typeface="Times New Roman" panose="02020603050405020304" pitchFamily="18" charset="0"/>
+              </a:rPr>
+              <a:t>improvement</a:t>
+            </a:r>
+            <a:r>
+              <a:rPr lang="en-US" sz="2500" dirty="0">
+                <a:latin typeface="Times New Roman" panose="02020603050405020304" pitchFamily="18" charset="0"/>
+                <a:cs typeface="Times New Roman" panose="02020603050405020304" pitchFamily="18" charset="0"/>
+              </a:rPr>
+              <a:t> stage,  SMOTE removes the imbalance gap, but brings overfitting; PCA/K-means refined the dataset and SVM’s retraining results in 99% accuracy; Neural Network is trained and improves accuracy to 90.06%</a:t>
+            </a:r>
+          </a:p>
+        </p:txBody>
+      </p:sp>
+      <p:sp>
+        <p:nvSpPr>
+          <p:cNvPr id="44" name="TextBox 43">
+            <a:extLst>
+              <a:ext uri="{FF2B5EF4-FFF2-40B4-BE49-F238E27FC236}">
+                <a16:creationId xmlns:a16="http://schemas.microsoft.com/office/drawing/2014/main" id="{B46E654C-FBBF-36C1-EA2B-138B65135692}"/>
+              </a:ext>
+            </a:extLst>
+          </p:cNvPr>
+          <p:cNvSpPr txBox="1"/>
+          <p:nvPr/>
+        </p:nvSpPr>
+        <p:spPr>
+          <a:xfrm>
+            <a:off x="24755262" y="17923773"/>
+            <a:ext cx="7738360" cy="3816429"/>
+          </a:xfrm>
+          <a:prstGeom prst="rect">
+            <a:avLst/>
+          </a:prstGeom>
+          <a:noFill/>
+        </p:spPr>
+        <p:txBody>
+          <a:bodyPr wrap="square" rtlCol="0">
+            <a:spAutoFit/>
+          </a:bodyPr>
+          <a:lstStyle/>
+          <a:p>
+            <a:r>
+              <a:rPr lang="en-US" sz="2200" dirty="0">
+                <a:latin typeface="Times New Roman" panose="02020603050405020304" pitchFamily="18" charset="0"/>
+                <a:cs typeface="Times New Roman" panose="02020603050405020304" pitchFamily="18" charset="0"/>
+              </a:rPr>
+              <a:t>[1] Liu, R.L. (2018) Machine Learning Approaches to Predict Default of Credit Card Clients. Modern Economy, 9, 1828-1838.</a:t>
+            </a:r>
+          </a:p>
+          <a:p>
+            <a:r>
+              <a:rPr lang="en-US" sz="2200" dirty="0">
+                <a:latin typeface="Times New Roman" panose="02020603050405020304" pitchFamily="18" charset="0"/>
+                <a:cs typeface="Times New Roman" panose="02020603050405020304" pitchFamily="18" charset="0"/>
+              </a:rPr>
+              <a:t>[2] I-Cheng Yeh, Che-hui Lien. The comparisons of data mining techniques for the predictive accuracy of probability of default of credit card clients. Expert Systems with Applications, Volume 36, Issue 2, Part 1, 2009, Pages 2473-2480, ISSN 0957-4174.</a:t>
+            </a:r>
+          </a:p>
+          <a:p>
+            <a:r>
+              <a:rPr lang="en-US" sz="2200" dirty="0">
+                <a:latin typeface="Times New Roman" panose="02020603050405020304" pitchFamily="18" charset="0"/>
+                <a:cs typeface="Times New Roman" panose="02020603050405020304" pitchFamily="18" charset="0"/>
+              </a:rPr>
+              <a:t>[3] </a:t>
+            </a:r>
+            <a:r>
+              <a:rPr lang="en-US" sz="2200" dirty="0" err="1">
+                <a:latin typeface="Times New Roman" panose="02020603050405020304" pitchFamily="18" charset="0"/>
+                <a:cs typeface="Times New Roman" panose="02020603050405020304" pitchFamily="18" charset="0"/>
+              </a:rPr>
+              <a:t>Husejinovic</a:t>
+            </a:r>
+            <a:r>
+              <a:rPr lang="en-US" sz="2200" dirty="0">
+                <a:latin typeface="Times New Roman" panose="02020603050405020304" pitchFamily="18" charset="0"/>
+                <a:cs typeface="Times New Roman" panose="02020603050405020304" pitchFamily="18" charset="0"/>
+              </a:rPr>
+              <a:t>, </a:t>
+            </a:r>
+            <a:r>
+              <a:rPr lang="en-US" sz="2200" dirty="0" err="1">
+                <a:latin typeface="Times New Roman" panose="02020603050405020304" pitchFamily="18" charset="0"/>
+                <a:cs typeface="Times New Roman" panose="02020603050405020304" pitchFamily="18" charset="0"/>
+              </a:rPr>
+              <a:t>Admel</a:t>
+            </a:r>
+            <a:r>
+              <a:rPr lang="en-US" sz="2200" dirty="0">
+                <a:latin typeface="Times New Roman" panose="02020603050405020304" pitchFamily="18" charset="0"/>
+                <a:cs typeface="Times New Roman" panose="02020603050405020304" pitchFamily="18" charset="0"/>
+              </a:rPr>
+              <a:t> and </a:t>
+            </a:r>
+            <a:r>
+              <a:rPr lang="en-US" sz="2200" dirty="0" err="1">
+                <a:latin typeface="Times New Roman" panose="02020603050405020304" pitchFamily="18" charset="0"/>
+                <a:cs typeface="Times New Roman" panose="02020603050405020304" pitchFamily="18" charset="0"/>
+              </a:rPr>
+              <a:t>Kečo</a:t>
+            </a:r>
+            <a:r>
+              <a:rPr lang="en-US" sz="2200" dirty="0">
+                <a:latin typeface="Times New Roman" panose="02020603050405020304" pitchFamily="18" charset="0"/>
+                <a:cs typeface="Times New Roman" panose="02020603050405020304" pitchFamily="18" charset="0"/>
+              </a:rPr>
+              <a:t>, Dino and </a:t>
+            </a:r>
+            <a:r>
+              <a:rPr lang="en-US" sz="2200" dirty="0" err="1">
+                <a:latin typeface="Times New Roman" panose="02020603050405020304" pitchFamily="18" charset="0"/>
+                <a:cs typeface="Times New Roman" panose="02020603050405020304" pitchFamily="18" charset="0"/>
+              </a:rPr>
+              <a:t>Masetic</a:t>
+            </a:r>
+            <a:r>
+              <a:rPr lang="en-US" sz="2200" dirty="0">
+                <a:latin typeface="Times New Roman" panose="02020603050405020304" pitchFamily="18" charset="0"/>
+                <a:cs typeface="Times New Roman" panose="02020603050405020304" pitchFamily="18" charset="0"/>
+              </a:rPr>
+              <a:t>, </a:t>
+            </a:r>
+            <a:r>
+              <a:rPr lang="en-US" sz="2200" dirty="0" err="1">
+                <a:latin typeface="Times New Roman" panose="02020603050405020304" pitchFamily="18" charset="0"/>
+                <a:cs typeface="Times New Roman" panose="02020603050405020304" pitchFamily="18" charset="0"/>
+              </a:rPr>
+              <a:t>Zerina</a:t>
+            </a:r>
+            <a:r>
+              <a:rPr lang="en-US" sz="2200" dirty="0">
+                <a:latin typeface="Times New Roman" panose="02020603050405020304" pitchFamily="18" charset="0"/>
+                <a:cs typeface="Times New Roman" panose="02020603050405020304" pitchFamily="18" charset="0"/>
+              </a:rPr>
+              <a:t>, Application of Machine Learning Algorithms in Credit Card Default Payment Prediction (October 1, 2018). A </a:t>
+            </a:r>
+            <a:r>
+              <a:rPr lang="en-US" sz="2200" dirty="0" err="1">
+                <a:latin typeface="Times New Roman" panose="02020603050405020304" pitchFamily="18" charset="0"/>
+                <a:cs typeface="Times New Roman" panose="02020603050405020304" pitchFamily="18" charset="0"/>
+              </a:rPr>
+              <a:t>Husejinovic</a:t>
+            </a:r>
+            <a:r>
+              <a:rPr lang="en-US" sz="2200" dirty="0">
+                <a:latin typeface="Times New Roman" panose="02020603050405020304" pitchFamily="18" charset="0"/>
+                <a:cs typeface="Times New Roman" panose="02020603050405020304" pitchFamily="18" charset="0"/>
+              </a:rPr>
+              <a:t>, D </a:t>
+            </a:r>
+            <a:r>
+              <a:rPr lang="en-US" sz="2200" dirty="0" err="1">
+                <a:latin typeface="Times New Roman" panose="02020603050405020304" pitchFamily="18" charset="0"/>
+                <a:cs typeface="Times New Roman" panose="02020603050405020304" pitchFamily="18" charset="0"/>
+              </a:rPr>
+              <a:t>Keco</a:t>
+            </a:r>
+            <a:r>
+              <a:rPr lang="en-US" sz="2200" dirty="0">
+                <a:latin typeface="Times New Roman" panose="02020603050405020304" pitchFamily="18" charset="0"/>
+                <a:cs typeface="Times New Roman" panose="02020603050405020304" pitchFamily="18" charset="0"/>
+              </a:rPr>
+              <a:t>, Z </a:t>
+            </a:r>
+            <a:r>
+              <a:rPr lang="en-US" sz="2200" dirty="0" err="1">
+                <a:latin typeface="Times New Roman" panose="02020603050405020304" pitchFamily="18" charset="0"/>
+                <a:cs typeface="Times New Roman" panose="02020603050405020304" pitchFamily="18" charset="0"/>
+              </a:rPr>
+              <a:t>Masetic</a:t>
+            </a:r>
+            <a:r>
+              <a:rPr lang="en-US" sz="2200" dirty="0">
+                <a:latin typeface="Times New Roman" panose="02020603050405020304" pitchFamily="18" charset="0"/>
+                <a:cs typeface="Times New Roman" panose="02020603050405020304" pitchFamily="18" charset="0"/>
+              </a:rPr>
+              <a:t>, International Journal of Scientific Research 7 (10), 425-426, 2018.</a:t>
+            </a:r>
+          </a:p>
+        </p:txBody>
+      </p:sp>
+      <p:sp>
+        <p:nvSpPr>
+          <p:cNvPr id="45" name="Rectangle: Diagonal Corners Rounded 44">
+            <a:extLst>
+              <a:ext uri="{FF2B5EF4-FFF2-40B4-BE49-F238E27FC236}">
+                <a16:creationId xmlns:a16="http://schemas.microsoft.com/office/drawing/2014/main" id="{0DC91F10-7C50-7F82-5C9B-5907883828C8}"/>
+              </a:ext>
+            </a:extLst>
+          </p:cNvPr>
+          <p:cNvSpPr/>
+          <p:nvPr/>
+        </p:nvSpPr>
+        <p:spPr>
+          <a:xfrm>
+            <a:off x="19782820" y="8346335"/>
+            <a:ext cx="12704322" cy="2623225"/>
+          </a:xfrm>
+          <a:prstGeom prst="round2DiagRect">
+            <a:avLst/>
+          </a:prstGeom>
+          <a:noFill/>
+          <a:ln w="63500">
+            <a:solidFill>
+              <a:srgbClr val="CC3300"/>
+            </a:solidFill>
+          </a:ln>
+        </p:spPr>
+        <p:style>
+          <a:lnRef idx="2">
+            <a:schemeClr val="accent1">
+              <a:shade val="50000"/>
+            </a:schemeClr>
+          </a:lnRef>
+          <a:fillRef idx="1">
+            <a:schemeClr val="accent1"/>
+          </a:fillRef>
+          <a:effectRef idx="0">
+            <a:schemeClr val="accent1"/>
+          </a:effectRef>
+          <a:fontRef idx="minor">
+            <a:schemeClr val="lt1"/>
+          </a:fontRef>
+        </p:style>
+        <p:txBody>
+          <a:bodyPr rtlCol="0" anchor="ctr"/>
+          <a:lstStyle/>
+          <a:p>
+            <a:pPr algn="ctr"/>
+            <a:endParaRPr lang="en-US" dirty="0"/>
+          </a:p>
+        </p:txBody>
+      </p:sp>
+      <p:sp>
+        <p:nvSpPr>
+          <p:cNvPr id="47" name="Rectangle: Diagonal Corners Rounded 46">
+            <a:extLst>
+              <a:ext uri="{FF2B5EF4-FFF2-40B4-BE49-F238E27FC236}">
+                <a16:creationId xmlns:a16="http://schemas.microsoft.com/office/drawing/2014/main" id="{FE7531A7-04E0-ECB6-95FF-B778351A60DC}"/>
+              </a:ext>
+            </a:extLst>
+          </p:cNvPr>
+          <p:cNvSpPr/>
+          <p:nvPr/>
+        </p:nvSpPr>
+        <p:spPr>
+          <a:xfrm>
+            <a:off x="15838234" y="17184119"/>
+            <a:ext cx="8458219" cy="739654"/>
+          </a:xfrm>
+          <a:prstGeom prst="round2DiagRect">
+            <a:avLst/>
+          </a:prstGeom>
+          <a:solidFill>
+            <a:srgbClr val="CC3300"/>
+          </a:solidFill>
+          <a:ln w="63500">
+            <a:solidFill>
+              <a:srgbClr val="CC3300"/>
+            </a:solidFill>
+          </a:ln>
+        </p:spPr>
+        <p:style>
+          <a:lnRef idx="2">
+            <a:schemeClr val="accent1">
+              <a:shade val="50000"/>
+            </a:schemeClr>
+          </a:lnRef>
+          <a:fillRef idx="1">
+            <a:schemeClr val="accent1"/>
+          </a:fillRef>
+          <a:effectRef idx="0">
+            <a:schemeClr val="accent1"/>
+          </a:effectRef>
+          <a:fontRef idx="minor">
+            <a:schemeClr val="lt1"/>
+          </a:fontRef>
+        </p:style>
+        <p:txBody>
+          <a:bodyPr rtlCol="0" anchor="ctr"/>
+          <a:lstStyle/>
+          <a:p>
+            <a:pPr algn="ctr"/>
+            <a:endParaRPr lang="en-US" dirty="0"/>
+          </a:p>
+        </p:txBody>
+      </p:sp>
+      <p:sp>
+        <p:nvSpPr>
+          <p:cNvPr id="48" name="TextBox 47">
+            <a:extLst>
+              <a:ext uri="{FF2B5EF4-FFF2-40B4-BE49-F238E27FC236}">
+                <a16:creationId xmlns:a16="http://schemas.microsoft.com/office/drawing/2014/main" id="{AC199AA5-EA50-3FBF-3344-18A081333876}"/>
+              </a:ext>
+            </a:extLst>
+          </p:cNvPr>
+          <p:cNvSpPr txBox="1"/>
+          <p:nvPr/>
+        </p:nvSpPr>
+        <p:spPr>
+          <a:xfrm>
+            <a:off x="15838233" y="17230780"/>
+            <a:ext cx="8464699" cy="646331"/>
+          </a:xfrm>
+          <a:prstGeom prst="rect">
+            <a:avLst/>
+          </a:prstGeom>
+          <a:noFill/>
+        </p:spPr>
+        <p:txBody>
+          <a:bodyPr wrap="square" rtlCol="0">
+            <a:spAutoFit/>
+          </a:bodyPr>
+          <a:lstStyle/>
+          <a:p>
+            <a:pPr algn="ctr"/>
+            <a:r>
+              <a:rPr lang="en-US" sz="3600" b="1" dirty="0">
+                <a:solidFill>
+                  <a:schemeClr val="bg1"/>
+                </a:solidFill>
+                <a:latin typeface="Times New Roman" panose="02020603050405020304" pitchFamily="18" charset="0"/>
+                <a:cs typeface="Times New Roman" panose="02020603050405020304" pitchFamily="18" charset="0"/>
+              </a:rPr>
+              <a:t>Future Work</a:t>
+            </a:r>
+          </a:p>
+        </p:txBody>
+      </p:sp>
+      <p:sp>
+        <p:nvSpPr>
+          <p:cNvPr id="49" name="TextBox 48">
+            <a:extLst>
+              <a:ext uri="{FF2B5EF4-FFF2-40B4-BE49-F238E27FC236}">
+                <a16:creationId xmlns:a16="http://schemas.microsoft.com/office/drawing/2014/main" id="{DE78D914-C158-290E-BB7D-3B6C3D97BB1B}"/>
+              </a:ext>
+            </a:extLst>
+          </p:cNvPr>
+          <p:cNvSpPr txBox="1"/>
+          <p:nvPr/>
+        </p:nvSpPr>
+        <p:spPr>
+          <a:xfrm>
+            <a:off x="15880401" y="18017805"/>
+            <a:ext cx="8416052" cy="3785652"/>
+          </a:xfrm>
+          <a:prstGeom prst="rect">
+            <a:avLst/>
+          </a:prstGeom>
+          <a:noFill/>
+        </p:spPr>
+        <p:txBody>
+          <a:bodyPr wrap="square" rtlCol="0">
+            <a:spAutoFit/>
+          </a:bodyPr>
+          <a:lstStyle/>
+          <a:p>
+            <a:r>
+              <a:rPr lang="en-US" sz="3000" dirty="0">
+                <a:latin typeface="Times New Roman" panose="02020603050405020304" pitchFamily="18" charset="0"/>
+                <a:cs typeface="Times New Roman" panose="02020603050405020304" pitchFamily="18" charset="0"/>
+              </a:rPr>
+              <a:t>For the future work, </a:t>
+            </a:r>
+            <a:r>
+              <a:rPr lang="en-US" sz="3000" b="1" dirty="0">
+                <a:latin typeface="Times New Roman" panose="02020603050405020304" pitchFamily="18" charset="0"/>
+                <a:cs typeface="Times New Roman" panose="02020603050405020304" pitchFamily="18" charset="0"/>
+              </a:rPr>
+              <a:t>k-fold cross-validation</a:t>
+            </a:r>
+            <a:r>
+              <a:rPr lang="en-US" sz="3000" dirty="0">
+                <a:latin typeface="Times New Roman" panose="02020603050405020304" pitchFamily="18" charset="0"/>
+                <a:cs typeface="Times New Roman" panose="02020603050405020304" pitchFamily="18" charset="0"/>
+              </a:rPr>
+              <a:t> is under consideration since our research focused on 8/2 dataset split. Also, </a:t>
+            </a:r>
+            <a:r>
+              <a:rPr lang="en-US" sz="3000" b="1" dirty="0">
+                <a:latin typeface="Times New Roman" panose="02020603050405020304" pitchFamily="18" charset="0"/>
+                <a:cs typeface="Times New Roman" panose="02020603050405020304" pitchFamily="18" charset="0"/>
+              </a:rPr>
+              <a:t>neural networks</a:t>
+            </a:r>
+            <a:r>
+              <a:rPr lang="en-US" sz="3000" dirty="0">
+                <a:latin typeface="Times New Roman" panose="02020603050405020304" pitchFamily="18" charset="0"/>
+                <a:cs typeface="Times New Roman" panose="02020603050405020304" pitchFamily="18" charset="0"/>
+              </a:rPr>
+              <a:t> with more different number of layers/neurons need to be trained and compare the performance. Finally, SMOTE shows overfitting and so poor generalization ability; methods besides sampling, such as </a:t>
+            </a:r>
+            <a:r>
+              <a:rPr lang="en-US" sz="3000" b="1" dirty="0">
+                <a:latin typeface="Times New Roman" panose="02020603050405020304" pitchFamily="18" charset="0"/>
+                <a:cs typeface="Times New Roman" panose="02020603050405020304" pitchFamily="18" charset="0"/>
+              </a:rPr>
+              <a:t>kernel-based</a:t>
+            </a:r>
+            <a:r>
+              <a:rPr lang="en-US" sz="3000" dirty="0">
+                <a:latin typeface="Times New Roman" panose="02020603050405020304" pitchFamily="18" charset="0"/>
+                <a:cs typeface="Times New Roman" panose="02020603050405020304" pitchFamily="18" charset="0"/>
+              </a:rPr>
+              <a:t> and </a:t>
+            </a:r>
+            <a:r>
+              <a:rPr lang="en-US" sz="3000" b="1" dirty="0">
+                <a:latin typeface="Times New Roman" panose="02020603050405020304" pitchFamily="18" charset="0"/>
+                <a:cs typeface="Times New Roman" panose="02020603050405020304" pitchFamily="18" charset="0"/>
+              </a:rPr>
+              <a:t>cost-sensitive</a:t>
+            </a:r>
+            <a:r>
+              <a:rPr lang="en-US" sz="3000" dirty="0">
+                <a:latin typeface="Times New Roman" panose="02020603050405020304" pitchFamily="18" charset="0"/>
+                <a:cs typeface="Times New Roman" panose="02020603050405020304" pitchFamily="18" charset="0"/>
+              </a:rPr>
+              <a:t>, should be considered and tested.</a:t>
+            </a:r>
+          </a:p>
+        </p:txBody>
+      </p:sp>
+      <p:sp>
+        <p:nvSpPr>
+          <p:cNvPr id="50" name="Rectangle: Diagonal Corners Rounded 49">
+            <a:extLst>
+              <a:ext uri="{FF2B5EF4-FFF2-40B4-BE49-F238E27FC236}">
+                <a16:creationId xmlns:a16="http://schemas.microsoft.com/office/drawing/2014/main" id="{E46068C8-94E4-97E2-A1A5-638AC051F4E7}"/>
+              </a:ext>
+            </a:extLst>
+          </p:cNvPr>
+          <p:cNvSpPr/>
+          <p:nvPr/>
+        </p:nvSpPr>
+        <p:spPr>
+          <a:xfrm>
+            <a:off x="8020445" y="11281199"/>
+            <a:ext cx="7362216" cy="1034017"/>
+          </a:xfrm>
+          <a:prstGeom prst="round2DiagRect">
+            <a:avLst/>
+          </a:prstGeom>
+          <a:solidFill>
+            <a:srgbClr val="CC3300"/>
+          </a:solidFill>
+          <a:ln w="63500">
+            <a:solidFill>
+              <a:srgbClr val="CC3300"/>
+            </a:solidFill>
+          </a:ln>
+        </p:spPr>
+        <p:style>
+          <a:lnRef idx="2">
+            <a:schemeClr val="accent1">
+              <a:shade val="50000"/>
+            </a:schemeClr>
+          </a:lnRef>
+          <a:fillRef idx="1">
+            <a:schemeClr val="accent1"/>
+          </a:fillRef>
+          <a:effectRef idx="0">
+            <a:schemeClr val="accent1"/>
+          </a:effectRef>
+          <a:fontRef idx="minor">
+            <a:schemeClr val="lt1"/>
+          </a:fontRef>
+        </p:style>
+        <p:txBody>
+          <a:bodyPr rtlCol="0" anchor="ctr"/>
+          <a:lstStyle/>
+          <a:p>
+            <a:pPr algn="ctr"/>
+            <a:endParaRPr lang="en-US" dirty="0"/>
+          </a:p>
+        </p:txBody>
+      </p:sp>
+      <p:sp>
+        <p:nvSpPr>
+          <p:cNvPr id="51" name="TextBox 50">
+            <a:extLst>
+              <a:ext uri="{FF2B5EF4-FFF2-40B4-BE49-F238E27FC236}">
+                <a16:creationId xmlns:a16="http://schemas.microsoft.com/office/drawing/2014/main" id="{F68E3937-40EB-2901-B1E3-8EA35BAEB567}"/>
+              </a:ext>
+            </a:extLst>
+          </p:cNvPr>
+          <p:cNvSpPr txBox="1"/>
+          <p:nvPr/>
+        </p:nvSpPr>
+        <p:spPr>
+          <a:xfrm>
+            <a:off x="8031815" y="11397222"/>
+            <a:ext cx="7357334" cy="646331"/>
+          </a:xfrm>
+          <a:prstGeom prst="rect">
+            <a:avLst/>
+          </a:prstGeom>
+          <a:noFill/>
+        </p:spPr>
+        <p:txBody>
+          <a:bodyPr wrap="square" rtlCol="0">
+            <a:spAutoFit/>
+          </a:bodyPr>
+          <a:lstStyle/>
+          <a:p>
+            <a:pPr algn="ctr"/>
+            <a:r>
+              <a:rPr lang="en-US" sz="3600" b="1" dirty="0">
+                <a:solidFill>
+                  <a:schemeClr val="bg1"/>
+                </a:solidFill>
+                <a:latin typeface="Times New Roman" panose="02020603050405020304" pitchFamily="18" charset="0"/>
+                <a:cs typeface="Times New Roman" panose="02020603050405020304" pitchFamily="18" charset="0"/>
+              </a:rPr>
+              <a:t>Neural Network</a:t>
+            </a:r>
+          </a:p>
+        </p:txBody>
+      </p:sp>
+      <p:sp>
+        <p:nvSpPr>
+          <p:cNvPr id="52" name="Rectangle: Diagonal Corners Rounded 51">
+            <a:extLst>
+              <a:ext uri="{FF2B5EF4-FFF2-40B4-BE49-F238E27FC236}">
+                <a16:creationId xmlns:a16="http://schemas.microsoft.com/office/drawing/2014/main" id="{BCFA2714-BB64-2503-A304-286824DC300A}"/>
+              </a:ext>
+            </a:extLst>
+          </p:cNvPr>
+          <p:cNvSpPr/>
+          <p:nvPr/>
+        </p:nvSpPr>
+        <p:spPr>
+          <a:xfrm>
+            <a:off x="15857285" y="11274719"/>
+            <a:ext cx="16707267" cy="866110"/>
+          </a:xfrm>
+          <a:prstGeom prst="round2DiagRect">
+            <a:avLst/>
+          </a:prstGeom>
+          <a:solidFill>
+            <a:srgbClr val="CC3300"/>
+          </a:solidFill>
+          <a:ln w="63500">
+            <a:solidFill>
+              <a:srgbClr val="CC3300"/>
+            </a:solidFill>
+          </a:ln>
+        </p:spPr>
+        <p:style>
+          <a:lnRef idx="2">
+            <a:schemeClr val="accent1">
+              <a:shade val="50000"/>
+            </a:schemeClr>
+          </a:lnRef>
+          <a:fillRef idx="1">
+            <a:schemeClr val="accent1"/>
+          </a:fillRef>
+          <a:effectRef idx="0">
+            <a:schemeClr val="accent1"/>
+          </a:effectRef>
+          <a:fontRef idx="minor">
+            <a:schemeClr val="lt1"/>
+          </a:fontRef>
+        </p:style>
+        <p:txBody>
+          <a:bodyPr rtlCol="0" anchor="ctr"/>
+          <a:lstStyle/>
+          <a:p>
+            <a:pPr algn="ctr"/>
+            <a:endParaRPr lang="en-US" dirty="0"/>
+          </a:p>
+        </p:txBody>
+      </p:sp>
+      <p:sp>
+        <p:nvSpPr>
+          <p:cNvPr id="53" name="TextBox 52">
+            <a:extLst>
+              <a:ext uri="{FF2B5EF4-FFF2-40B4-BE49-F238E27FC236}">
+                <a16:creationId xmlns:a16="http://schemas.microsoft.com/office/drawing/2014/main" id="{1985A1B1-4ADD-73CB-0703-57E72EC478BC}"/>
+              </a:ext>
+            </a:extLst>
+          </p:cNvPr>
+          <p:cNvSpPr txBox="1"/>
+          <p:nvPr/>
+        </p:nvSpPr>
+        <p:spPr>
+          <a:xfrm>
+            <a:off x="15844719" y="11416678"/>
+            <a:ext cx="16707263" cy="646331"/>
+          </a:xfrm>
+          <a:prstGeom prst="rect">
+            <a:avLst/>
+          </a:prstGeom>
+          <a:noFill/>
+        </p:spPr>
+        <p:txBody>
+          <a:bodyPr wrap="square" rtlCol="0">
+            <a:spAutoFit/>
+          </a:bodyPr>
+          <a:lstStyle/>
+          <a:p>
+            <a:pPr algn="ctr"/>
+            <a:r>
+              <a:rPr lang="en-US" sz="3600" b="1" dirty="0">
+                <a:solidFill>
+                  <a:schemeClr val="bg1"/>
+                </a:solidFill>
+                <a:latin typeface="Times New Roman" panose="02020603050405020304" pitchFamily="18" charset="0"/>
+                <a:cs typeface="Times New Roman" panose="02020603050405020304" pitchFamily="18" charset="0"/>
+              </a:rPr>
+              <a:t>Results &amp; Discussion</a:t>
+            </a:r>
+          </a:p>
+        </p:txBody>
+      </p:sp>
+      <p:sp>
+        <p:nvSpPr>
+          <p:cNvPr id="54" name="Rectangle: Diagonal Corners Rounded 53">
+            <a:extLst>
+              <a:ext uri="{FF2B5EF4-FFF2-40B4-BE49-F238E27FC236}">
+                <a16:creationId xmlns:a16="http://schemas.microsoft.com/office/drawing/2014/main" id="{980240D7-1504-A3D4-BEFA-3921DE0C69C0}"/>
+              </a:ext>
+            </a:extLst>
+          </p:cNvPr>
+          <p:cNvSpPr/>
+          <p:nvPr/>
+        </p:nvSpPr>
+        <p:spPr>
+          <a:xfrm>
+            <a:off x="19779580" y="8343095"/>
+            <a:ext cx="12704322" cy="652359"/>
+          </a:xfrm>
+          <a:prstGeom prst="round2DiagRect">
+            <a:avLst/>
+          </a:prstGeom>
+          <a:solidFill>
+            <a:srgbClr val="CC3300"/>
+          </a:solidFill>
+          <a:ln w="63500">
+            <a:solidFill>
+              <a:srgbClr val="CC3300"/>
+            </a:solidFill>
+          </a:ln>
+        </p:spPr>
+        <p:style>
+          <a:lnRef idx="2">
+            <a:schemeClr val="accent1">
+              <a:shade val="50000"/>
+            </a:schemeClr>
+          </a:lnRef>
+          <a:fillRef idx="1">
+            <a:schemeClr val="accent1"/>
+          </a:fillRef>
+          <a:effectRef idx="0">
+            <a:schemeClr val="accent1"/>
+          </a:effectRef>
+          <a:fontRef idx="minor">
+            <a:schemeClr val="lt1"/>
+          </a:fontRef>
+        </p:style>
+        <p:txBody>
+          <a:bodyPr rtlCol="0" anchor="ctr"/>
+          <a:lstStyle/>
+          <a:p>
+            <a:pPr algn="ctr"/>
+            <a:endParaRPr lang="en-US" dirty="0"/>
+          </a:p>
+        </p:txBody>
+      </p:sp>
+      <p:sp>
+        <p:nvSpPr>
+          <p:cNvPr id="55" name="TextBox 54">
+            <a:extLst>
+              <a:ext uri="{FF2B5EF4-FFF2-40B4-BE49-F238E27FC236}">
+                <a16:creationId xmlns:a16="http://schemas.microsoft.com/office/drawing/2014/main" id="{5D03E9C6-3732-2028-BFB2-7F0A529020D0}"/>
+              </a:ext>
+            </a:extLst>
+          </p:cNvPr>
+          <p:cNvSpPr txBox="1"/>
+          <p:nvPr/>
+        </p:nvSpPr>
+        <p:spPr>
+          <a:xfrm>
+            <a:off x="19735807" y="8338858"/>
+            <a:ext cx="7229265" cy="646331"/>
+          </a:xfrm>
+          <a:prstGeom prst="rect">
+            <a:avLst/>
+          </a:prstGeom>
+          <a:noFill/>
+        </p:spPr>
+        <p:txBody>
+          <a:bodyPr wrap="square" rtlCol="0">
+            <a:spAutoFit/>
+          </a:bodyPr>
+          <a:lstStyle/>
+          <a:p>
+            <a:pPr algn="ctr"/>
+            <a:r>
+              <a:rPr lang="en-US" sz="3600" b="1" dirty="0">
+                <a:solidFill>
+                  <a:schemeClr val="bg1"/>
+                </a:solidFill>
+                <a:latin typeface="Times New Roman" panose="02020603050405020304" pitchFamily="18" charset="0"/>
+                <a:cs typeface="Times New Roman" panose="02020603050405020304" pitchFamily="18" charset="0"/>
+              </a:rPr>
+              <a:t>Principal Component Analysis (23)</a:t>
+            </a:r>
+          </a:p>
+        </p:txBody>
+      </p:sp>
+      <p:sp>
+        <p:nvSpPr>
+          <p:cNvPr id="57" name="Rectangle: Diagonal Corners Rounded 56">
+            <a:extLst>
+              <a:ext uri="{FF2B5EF4-FFF2-40B4-BE49-F238E27FC236}">
+                <a16:creationId xmlns:a16="http://schemas.microsoft.com/office/drawing/2014/main" id="{B1130989-D5E6-BDE3-69AC-E4D17D2D6684}"/>
+              </a:ext>
+            </a:extLst>
+          </p:cNvPr>
+          <p:cNvSpPr/>
+          <p:nvPr/>
+        </p:nvSpPr>
+        <p:spPr>
+          <a:xfrm>
+            <a:off x="203068" y="9384967"/>
+            <a:ext cx="7362216" cy="1101855"/>
+          </a:xfrm>
+          <a:prstGeom prst="round2DiagRect">
+            <a:avLst/>
+          </a:prstGeom>
+          <a:solidFill>
+            <a:srgbClr val="CC3300"/>
+          </a:solidFill>
+          <a:ln w="63500">
+            <a:solidFill>
+              <a:srgbClr val="CC3300"/>
+            </a:solidFill>
+          </a:ln>
+        </p:spPr>
+        <p:style>
+          <a:lnRef idx="2">
+            <a:schemeClr val="accent1">
+              <a:shade val="50000"/>
+            </a:schemeClr>
+          </a:lnRef>
+          <a:fillRef idx="1">
+            <a:schemeClr val="accent1"/>
+          </a:fillRef>
+          <a:effectRef idx="0">
+            <a:schemeClr val="accent1"/>
+          </a:effectRef>
+          <a:fontRef idx="minor">
+            <a:schemeClr val="lt1"/>
+          </a:fontRef>
+        </p:style>
+        <p:txBody>
+          <a:bodyPr rtlCol="0" anchor="ctr"/>
+          <a:lstStyle/>
+          <a:p>
+            <a:pPr algn="ctr"/>
+            <a:endParaRPr lang="en-US" dirty="0"/>
+          </a:p>
+        </p:txBody>
+      </p:sp>
+      <p:sp>
+        <p:nvSpPr>
+          <p:cNvPr id="58" name="TextBox 57">
+            <a:extLst>
+              <a:ext uri="{FF2B5EF4-FFF2-40B4-BE49-F238E27FC236}">
+                <a16:creationId xmlns:a16="http://schemas.microsoft.com/office/drawing/2014/main" id="{DB11A139-090D-63C6-88AE-01B51DC59BB4}"/>
+              </a:ext>
+            </a:extLst>
+          </p:cNvPr>
+          <p:cNvSpPr txBox="1"/>
+          <p:nvPr/>
+        </p:nvSpPr>
+        <p:spPr>
+          <a:xfrm>
+            <a:off x="226991" y="9604497"/>
+            <a:ext cx="7357334" cy="646331"/>
+          </a:xfrm>
+          <a:prstGeom prst="rect">
+            <a:avLst/>
+          </a:prstGeom>
+          <a:noFill/>
+        </p:spPr>
+        <p:txBody>
+          <a:bodyPr wrap="square" rtlCol="0">
+            <a:spAutoFit/>
+          </a:bodyPr>
+          <a:lstStyle/>
+          <a:p>
+            <a:pPr algn="ctr"/>
+            <a:r>
+              <a:rPr lang="en-US" sz="3600" b="1" dirty="0">
+                <a:solidFill>
+                  <a:schemeClr val="bg1"/>
+                </a:solidFill>
+                <a:latin typeface="Times New Roman" panose="02020603050405020304" pitchFamily="18" charset="0"/>
+                <a:cs typeface="Times New Roman" panose="02020603050405020304" pitchFamily="18" charset="0"/>
+              </a:rPr>
+              <a:t>Baseline Models</a:t>
+            </a:r>
+          </a:p>
+        </p:txBody>
+      </p:sp>
       <p:pic>
         <p:nvPicPr>
-          <p:cNvPr id="2" name="Picture 4">
+          <p:cNvPr id="66" name="Picture 65" descr="A diagram of a network&#10;&#10;Description automatically generated with low confidence">
             <a:extLst>
               <a:ext uri="{FF2B5EF4-FFF2-40B4-BE49-F238E27FC236}">
-                <a16:creationId xmlns:a16="http://schemas.microsoft.com/office/drawing/2014/main" id="{ADF67D30-44E1-4190-BBCF-E9AEF5496ABF}"/>
+                <a16:creationId xmlns:a16="http://schemas.microsoft.com/office/drawing/2014/main" id="{4479A2F7-8E7F-C371-0263-2FA013E958F8}"/>
               </a:ext>
             </a:extLst>
           </p:cNvPr>
@@ -3429,1962 +5379,13 @@
               </a:ext>
             </a:extLst>
           </a:blip>
-          <a:srcRect/>
           <a:stretch>
             <a:fillRect/>
           </a:stretch>
         </p:blipFill>
-        <p:spPr bwMode="auto">
-          <a:xfrm>
-            <a:off x="30693435" y="119977"/>
-            <a:ext cx="1796948" cy="1796948"/>
-          </a:xfrm>
-          <a:prstGeom prst="rect">
-            <a:avLst/>
-          </a:prstGeom>
-          <a:noFill/>
-          <a:ln>
-            <a:noFill/>
-          </a:ln>
-          <a:extLst>
-            <a:ext uri="{909E8E84-426E-40DD-AFC4-6F175D3DCCD1}">
-              <a14:hiddenFill xmlns:a14="http://schemas.microsoft.com/office/drawing/2010/main">
-                <a:solidFill>
-                  <a:srgbClr val="FFFFFF"/>
-                </a:solidFill>
-              </a14:hiddenFill>
-            </a:ext>
-            <a:ext uri="{91240B29-F687-4F45-9708-019B960494DF}">
-              <a14:hiddenLine xmlns:a14="http://schemas.microsoft.com/office/drawing/2010/main" w="9525">
-                <a:solidFill>
-                  <a:srgbClr val="000000"/>
-                </a:solidFill>
-                <a:miter lim="800000"/>
-                <a:headEnd/>
-                <a:tailEnd/>
-              </a14:hiddenLine>
-            </a:ext>
-          </a:extLst>
-        </p:spPr>
-      </p:pic>
-      <p:pic>
-        <p:nvPicPr>
-          <p:cNvPr id="4" name="Picture 3" descr="A logo on a black background&#10;&#10;Description automatically generated with medium confidence">
-            <a:extLst>
-              <a:ext uri="{FF2B5EF4-FFF2-40B4-BE49-F238E27FC236}">
-                <a16:creationId xmlns:a16="http://schemas.microsoft.com/office/drawing/2014/main" id="{967A7805-8550-EE36-DA82-4DFFEFD007EF}"/>
-              </a:ext>
-            </a:extLst>
-          </p:cNvPr>
-          <p:cNvPicPr>
-            <a:picLocks noChangeAspect="1"/>
-          </p:cNvPicPr>
-          <p:nvPr/>
-        </p:nvPicPr>
-        <p:blipFill>
-          <a:blip r:embed="rId4">
-            <a:extLst>
-              <a:ext uri="{28A0092B-C50C-407E-A947-70E740481C1C}">
-                <a14:useLocalDpi xmlns:a14="http://schemas.microsoft.com/office/drawing/2010/main" val="0"/>
-              </a:ext>
-            </a:extLst>
-          </a:blip>
-          <a:stretch>
-            <a:fillRect/>
-          </a:stretch>
-        </p:blipFill>
-        <p:spPr>
-          <a:xfrm>
-            <a:off x="205903" y="-616094"/>
-            <a:ext cx="3602478" cy="3602478"/>
-          </a:xfrm>
-          <a:prstGeom prst="rect">
-            <a:avLst/>
-          </a:prstGeom>
-        </p:spPr>
-      </p:pic>
-      <p:sp>
-        <p:nvSpPr>
-          <p:cNvPr id="10" name="Rectangle: Diagonal Corners Rounded 9">
-            <a:extLst>
-              <a:ext uri="{FF2B5EF4-FFF2-40B4-BE49-F238E27FC236}">
-                <a16:creationId xmlns:a16="http://schemas.microsoft.com/office/drawing/2014/main" id="{994D0FB0-C35F-C09C-B882-FA2D28813E53}"/>
-              </a:ext>
-            </a:extLst>
-          </p:cNvPr>
-          <p:cNvSpPr/>
-          <p:nvPr/>
-        </p:nvSpPr>
-        <p:spPr>
-          <a:xfrm>
-            <a:off x="205903" y="2198451"/>
-            <a:ext cx="7362216" cy="6797003"/>
-          </a:xfrm>
-          <a:prstGeom prst="round2DiagRect">
-            <a:avLst/>
-          </a:prstGeom>
-          <a:noFill/>
-          <a:ln w="63500">
-            <a:solidFill>
-              <a:srgbClr val="CC3300"/>
-            </a:solidFill>
-          </a:ln>
-        </p:spPr>
-        <p:style>
-          <a:lnRef idx="2">
-            <a:schemeClr val="accent1">
-              <a:shade val="50000"/>
-            </a:schemeClr>
-          </a:lnRef>
-          <a:fillRef idx="1">
-            <a:schemeClr val="accent1"/>
-          </a:fillRef>
-          <a:effectRef idx="0">
-            <a:schemeClr val="accent1"/>
-          </a:effectRef>
-          <a:fontRef idx="minor">
-            <a:schemeClr val="lt1"/>
-          </a:fontRef>
-        </p:style>
-        <p:txBody>
-          <a:bodyPr rtlCol="0" anchor="ctr"/>
-          <a:lstStyle/>
-          <a:p>
-            <a:pPr algn="ctr"/>
-            <a:endParaRPr lang="en-US" dirty="0"/>
-          </a:p>
-        </p:txBody>
-      </p:sp>
-      <p:sp>
-        <p:nvSpPr>
-          <p:cNvPr id="5" name="TextBox 4">
-            <a:extLst>
-              <a:ext uri="{FF2B5EF4-FFF2-40B4-BE49-F238E27FC236}">
-                <a16:creationId xmlns:a16="http://schemas.microsoft.com/office/drawing/2014/main" id="{B043ADC9-40CD-D598-58B1-7C0F3BF38474}"/>
-              </a:ext>
-            </a:extLst>
-          </p:cNvPr>
-          <p:cNvSpPr txBox="1"/>
-          <p:nvPr/>
-        </p:nvSpPr>
-        <p:spPr>
-          <a:xfrm>
-            <a:off x="3808381" y="544749"/>
-            <a:ext cx="26133355" cy="1338828"/>
-          </a:xfrm>
-          <a:prstGeom prst="rect">
-            <a:avLst/>
-          </a:prstGeom>
-          <a:noFill/>
-        </p:spPr>
-        <p:txBody>
-          <a:bodyPr wrap="square" rtlCol="0">
-            <a:spAutoFit/>
-          </a:bodyPr>
-          <a:lstStyle/>
-          <a:p>
-            <a:pPr algn="ctr"/>
-            <a:r>
-              <a:rPr lang="en-US" sz="4500" b="1" dirty="0">
-                <a:latin typeface="Times New Roman" panose="02020603050405020304" pitchFamily="18" charset="0"/>
-                <a:cs typeface="Times New Roman" panose="02020603050405020304" pitchFamily="18" charset="0"/>
-              </a:rPr>
-              <a:t>Credit Card Default Analysis – Machine Learning Algorithms</a:t>
-            </a:r>
-          </a:p>
-          <a:p>
-            <a:pPr algn="ctr"/>
-            <a:r>
-              <a:rPr lang="en-US" sz="3600" dirty="0">
-                <a:latin typeface="Times New Roman" panose="02020603050405020304" pitchFamily="18" charset="0"/>
-                <a:cs typeface="Times New Roman" panose="02020603050405020304" pitchFamily="18" charset="0"/>
-              </a:rPr>
-              <a:t>Xinxie Wu, xinxiewu@gmai.com</a:t>
-            </a:r>
-          </a:p>
-        </p:txBody>
-      </p:sp>
-      <p:sp>
-        <p:nvSpPr>
-          <p:cNvPr id="12" name="Rectangle: Diagonal Corners Rounded 11">
-            <a:extLst>
-              <a:ext uri="{FF2B5EF4-FFF2-40B4-BE49-F238E27FC236}">
-                <a16:creationId xmlns:a16="http://schemas.microsoft.com/office/drawing/2014/main" id="{C0238EA7-0A62-2B19-BF7F-7468C9ECEDD2}"/>
-              </a:ext>
-            </a:extLst>
-          </p:cNvPr>
-          <p:cNvSpPr/>
-          <p:nvPr/>
-        </p:nvSpPr>
-        <p:spPr>
-          <a:xfrm>
-            <a:off x="205903" y="9387802"/>
-            <a:ext cx="7362216" cy="12324333"/>
-          </a:xfrm>
-          <a:prstGeom prst="round2DiagRect">
-            <a:avLst/>
-          </a:prstGeom>
-          <a:noFill/>
-          <a:ln w="63500">
-            <a:solidFill>
-              <a:srgbClr val="CC3300"/>
-            </a:solidFill>
-          </a:ln>
-        </p:spPr>
-        <p:style>
-          <a:lnRef idx="2">
-            <a:schemeClr val="accent1">
-              <a:shade val="50000"/>
-            </a:schemeClr>
-          </a:lnRef>
-          <a:fillRef idx="1">
-            <a:schemeClr val="accent1"/>
-          </a:fillRef>
-          <a:effectRef idx="0">
-            <a:schemeClr val="accent1"/>
-          </a:effectRef>
-          <a:fontRef idx="minor">
-            <a:schemeClr val="lt1"/>
-          </a:fontRef>
-        </p:style>
-        <p:txBody>
-          <a:bodyPr rtlCol="0" anchor="ctr"/>
-          <a:lstStyle/>
-          <a:p>
-            <a:pPr algn="ctr"/>
-            <a:endParaRPr lang="en-US" dirty="0"/>
-          </a:p>
-        </p:txBody>
-      </p:sp>
-      <p:sp>
-        <p:nvSpPr>
-          <p:cNvPr id="13" name="Rectangle: Diagonal Corners Rounded 12">
-            <a:extLst>
-              <a:ext uri="{FF2B5EF4-FFF2-40B4-BE49-F238E27FC236}">
-                <a16:creationId xmlns:a16="http://schemas.microsoft.com/office/drawing/2014/main" id="{4A0D4970-EE1D-240D-3FE4-A53AFA66D687}"/>
-              </a:ext>
-            </a:extLst>
-          </p:cNvPr>
-          <p:cNvSpPr/>
-          <p:nvPr/>
-        </p:nvSpPr>
-        <p:spPr>
-          <a:xfrm>
-            <a:off x="8023688" y="2195215"/>
-            <a:ext cx="11279236" cy="8777585"/>
-          </a:xfrm>
-          <a:prstGeom prst="round2DiagRect">
-            <a:avLst/>
-          </a:prstGeom>
-          <a:noFill/>
-          <a:ln w="63500">
-            <a:solidFill>
-              <a:srgbClr val="CC3300"/>
-            </a:solidFill>
-          </a:ln>
-        </p:spPr>
-        <p:style>
-          <a:lnRef idx="2">
-            <a:schemeClr val="accent1">
-              <a:shade val="50000"/>
-            </a:schemeClr>
-          </a:lnRef>
-          <a:fillRef idx="1">
-            <a:schemeClr val="accent1"/>
-          </a:fillRef>
-          <a:effectRef idx="0">
-            <a:schemeClr val="accent1"/>
-          </a:effectRef>
-          <a:fontRef idx="minor">
-            <a:schemeClr val="lt1"/>
-          </a:fontRef>
-        </p:style>
-        <p:txBody>
-          <a:bodyPr rtlCol="0" anchor="ctr"/>
-          <a:lstStyle/>
-          <a:p>
-            <a:pPr algn="ctr"/>
-            <a:endParaRPr lang="en-US" dirty="0"/>
-          </a:p>
-        </p:txBody>
-      </p:sp>
-      <p:sp>
-        <p:nvSpPr>
-          <p:cNvPr id="14" name="Rectangle: Diagonal Corners Rounded 13">
-            <a:extLst>
-              <a:ext uri="{FF2B5EF4-FFF2-40B4-BE49-F238E27FC236}">
-                <a16:creationId xmlns:a16="http://schemas.microsoft.com/office/drawing/2014/main" id="{BC386E57-EDE4-C438-0511-69B53C05E7D6}"/>
-              </a:ext>
-            </a:extLst>
-          </p:cNvPr>
-          <p:cNvSpPr/>
-          <p:nvPr/>
-        </p:nvSpPr>
-        <p:spPr>
-          <a:xfrm>
-            <a:off x="8023689" y="11284439"/>
-            <a:ext cx="7362216" cy="10427696"/>
-          </a:xfrm>
-          <a:prstGeom prst="round2DiagRect">
-            <a:avLst/>
-          </a:prstGeom>
-          <a:noFill/>
-          <a:ln w="63500">
-            <a:solidFill>
-              <a:srgbClr val="CC3300"/>
-            </a:solidFill>
-          </a:ln>
-        </p:spPr>
-        <p:style>
-          <a:lnRef idx="2">
-            <a:schemeClr val="accent1">
-              <a:shade val="50000"/>
-            </a:schemeClr>
-          </a:lnRef>
-          <a:fillRef idx="1">
-            <a:schemeClr val="accent1"/>
-          </a:fillRef>
-          <a:effectRef idx="0">
-            <a:schemeClr val="accent1"/>
-          </a:effectRef>
-          <a:fontRef idx="minor">
-            <a:schemeClr val="lt1"/>
-          </a:fontRef>
-        </p:style>
-        <p:txBody>
-          <a:bodyPr rtlCol="0" anchor="ctr"/>
-          <a:lstStyle/>
-          <a:p>
-            <a:pPr algn="ctr"/>
-            <a:endParaRPr lang="en-US" dirty="0"/>
-          </a:p>
-        </p:txBody>
-      </p:sp>
-      <p:sp>
-        <p:nvSpPr>
-          <p:cNvPr id="15" name="Rectangle: Diagonal Corners Rounded 14">
-            <a:extLst>
-              <a:ext uri="{FF2B5EF4-FFF2-40B4-BE49-F238E27FC236}">
-                <a16:creationId xmlns:a16="http://schemas.microsoft.com/office/drawing/2014/main" id="{91D00234-E0A5-5D5D-8278-BA0A25BA8DA3}"/>
-              </a:ext>
-            </a:extLst>
-          </p:cNvPr>
-          <p:cNvSpPr/>
-          <p:nvPr/>
-        </p:nvSpPr>
-        <p:spPr>
-          <a:xfrm>
-            <a:off x="19786060" y="2191970"/>
-            <a:ext cx="12704322" cy="5826709"/>
-          </a:xfrm>
-          <a:prstGeom prst="round2DiagRect">
-            <a:avLst/>
-          </a:prstGeom>
-          <a:noFill/>
-          <a:ln w="63500">
-            <a:solidFill>
-              <a:srgbClr val="CC3300"/>
-            </a:solidFill>
-          </a:ln>
-        </p:spPr>
-        <p:style>
-          <a:lnRef idx="2">
-            <a:schemeClr val="accent1">
-              <a:shade val="50000"/>
-            </a:schemeClr>
-          </a:lnRef>
-          <a:fillRef idx="1">
-            <a:schemeClr val="accent1"/>
-          </a:fillRef>
-          <a:effectRef idx="0">
-            <a:schemeClr val="accent1"/>
-          </a:effectRef>
-          <a:fontRef idx="minor">
-            <a:schemeClr val="lt1"/>
-          </a:fontRef>
-        </p:style>
-        <p:txBody>
-          <a:bodyPr rtlCol="0" anchor="ctr"/>
-          <a:lstStyle/>
-          <a:p>
-            <a:pPr algn="ctr"/>
-            <a:endParaRPr lang="en-US" dirty="0"/>
-          </a:p>
-        </p:txBody>
-      </p:sp>
-      <p:sp>
-        <p:nvSpPr>
-          <p:cNvPr id="16" name="Rectangle: Diagonal Corners Rounded 15">
-            <a:extLst>
-              <a:ext uri="{FF2B5EF4-FFF2-40B4-BE49-F238E27FC236}">
-                <a16:creationId xmlns:a16="http://schemas.microsoft.com/office/drawing/2014/main" id="{2297182E-C737-FE55-74E4-84075CE97EDB}"/>
-              </a:ext>
-            </a:extLst>
-          </p:cNvPr>
-          <p:cNvSpPr/>
-          <p:nvPr/>
-        </p:nvSpPr>
-        <p:spPr>
-          <a:xfrm>
-            <a:off x="15841475" y="11277958"/>
-            <a:ext cx="16707267" cy="5619392"/>
-          </a:xfrm>
-          <a:prstGeom prst="round2DiagRect">
-            <a:avLst/>
-          </a:prstGeom>
-          <a:noFill/>
-          <a:ln w="63500">
-            <a:solidFill>
-              <a:srgbClr val="CC3300"/>
-            </a:solidFill>
-          </a:ln>
-        </p:spPr>
-        <p:style>
-          <a:lnRef idx="2">
-            <a:schemeClr val="accent1">
-              <a:shade val="50000"/>
-            </a:schemeClr>
-          </a:lnRef>
-          <a:fillRef idx="1">
-            <a:schemeClr val="accent1"/>
-          </a:fillRef>
-          <a:effectRef idx="0">
-            <a:schemeClr val="accent1"/>
-          </a:effectRef>
-          <a:fontRef idx="minor">
-            <a:schemeClr val="lt1"/>
-          </a:fontRef>
-        </p:style>
-        <p:txBody>
-          <a:bodyPr rtlCol="0" anchor="ctr"/>
-          <a:lstStyle/>
-          <a:p>
-            <a:pPr algn="ctr"/>
-            <a:endParaRPr lang="en-US" dirty="0"/>
-          </a:p>
-        </p:txBody>
-      </p:sp>
-      <p:sp>
-        <p:nvSpPr>
-          <p:cNvPr id="17" name="Rectangle: Diagonal Corners Rounded 16">
-            <a:extLst>
-              <a:ext uri="{FF2B5EF4-FFF2-40B4-BE49-F238E27FC236}">
-                <a16:creationId xmlns:a16="http://schemas.microsoft.com/office/drawing/2014/main" id="{643C2FE3-FD78-64B4-B8A1-C8A7053CE85D}"/>
-              </a:ext>
-            </a:extLst>
-          </p:cNvPr>
-          <p:cNvSpPr/>
-          <p:nvPr/>
-        </p:nvSpPr>
-        <p:spPr>
-          <a:xfrm>
-            <a:off x="15841474" y="17187359"/>
-            <a:ext cx="8458219" cy="4524776"/>
-          </a:xfrm>
-          <a:prstGeom prst="round2DiagRect">
-            <a:avLst/>
-          </a:prstGeom>
-          <a:noFill/>
-          <a:ln w="63500">
-            <a:solidFill>
-              <a:srgbClr val="CC3300"/>
-            </a:solidFill>
-          </a:ln>
-        </p:spPr>
-        <p:style>
-          <a:lnRef idx="2">
-            <a:schemeClr val="accent1">
-              <a:shade val="50000"/>
-            </a:schemeClr>
-          </a:lnRef>
-          <a:fillRef idx="1">
-            <a:schemeClr val="accent1"/>
-          </a:fillRef>
-          <a:effectRef idx="0">
-            <a:schemeClr val="accent1"/>
-          </a:effectRef>
-          <a:fontRef idx="minor">
-            <a:schemeClr val="lt1"/>
-          </a:fontRef>
-        </p:style>
-        <p:txBody>
-          <a:bodyPr rtlCol="0" anchor="ctr"/>
-          <a:lstStyle/>
-          <a:p>
-            <a:pPr algn="ctr"/>
-            <a:endParaRPr lang="en-US" dirty="0"/>
-          </a:p>
-        </p:txBody>
-      </p:sp>
-      <p:sp>
-        <p:nvSpPr>
-          <p:cNvPr id="18" name="Rectangle: Diagonal Corners Rounded 17">
-            <a:extLst>
-              <a:ext uri="{FF2B5EF4-FFF2-40B4-BE49-F238E27FC236}">
-                <a16:creationId xmlns:a16="http://schemas.microsoft.com/office/drawing/2014/main" id="{0A06E4F9-3987-033F-7EA7-117E21C5F13A}"/>
-              </a:ext>
-            </a:extLst>
-          </p:cNvPr>
-          <p:cNvSpPr/>
-          <p:nvPr/>
-        </p:nvSpPr>
-        <p:spPr>
-          <a:xfrm>
-            <a:off x="24708255" y="17193149"/>
-            <a:ext cx="7782127" cy="4518986"/>
-          </a:xfrm>
-          <a:prstGeom prst="round2DiagRect">
-            <a:avLst/>
-          </a:prstGeom>
-          <a:noFill/>
-          <a:ln w="63500">
-            <a:solidFill>
-              <a:srgbClr val="CC3300"/>
-            </a:solidFill>
-          </a:ln>
-        </p:spPr>
-        <p:style>
-          <a:lnRef idx="2">
-            <a:schemeClr val="accent1">
-              <a:shade val="50000"/>
-            </a:schemeClr>
-          </a:lnRef>
-          <a:fillRef idx="1">
-            <a:schemeClr val="accent1"/>
-          </a:fillRef>
-          <a:effectRef idx="0">
-            <a:schemeClr val="accent1"/>
-          </a:effectRef>
-          <a:fontRef idx="minor">
-            <a:schemeClr val="lt1"/>
-          </a:fontRef>
-        </p:style>
-        <p:txBody>
-          <a:bodyPr rtlCol="0" anchor="ctr"/>
-          <a:lstStyle/>
-          <a:p>
-            <a:pPr algn="ctr"/>
-            <a:endParaRPr lang="en-US" dirty="0"/>
-          </a:p>
-        </p:txBody>
-      </p:sp>
-      <p:sp>
-        <p:nvSpPr>
-          <p:cNvPr id="31" name="Rectangle: Diagonal Corners Rounded 30">
-            <a:extLst>
-              <a:ext uri="{FF2B5EF4-FFF2-40B4-BE49-F238E27FC236}">
-                <a16:creationId xmlns:a16="http://schemas.microsoft.com/office/drawing/2014/main" id="{F9E42811-095D-DA62-F658-99F1FBF960CF}"/>
-              </a:ext>
-            </a:extLst>
-          </p:cNvPr>
-          <p:cNvSpPr/>
-          <p:nvPr/>
-        </p:nvSpPr>
-        <p:spPr>
-          <a:xfrm>
-            <a:off x="19782820" y="2188730"/>
-            <a:ext cx="12704322" cy="984664"/>
-          </a:xfrm>
-          <a:prstGeom prst="round2DiagRect">
-            <a:avLst/>
-          </a:prstGeom>
-          <a:solidFill>
-            <a:srgbClr val="CC3300"/>
-          </a:solidFill>
-          <a:ln w="63500">
-            <a:solidFill>
-              <a:srgbClr val="CC3300"/>
-            </a:solidFill>
-          </a:ln>
-        </p:spPr>
-        <p:style>
-          <a:lnRef idx="2">
-            <a:schemeClr val="accent1">
-              <a:shade val="50000"/>
-            </a:schemeClr>
-          </a:lnRef>
-          <a:fillRef idx="1">
-            <a:schemeClr val="accent1"/>
-          </a:fillRef>
-          <a:effectRef idx="0">
-            <a:schemeClr val="accent1"/>
-          </a:effectRef>
-          <a:fontRef idx="minor">
-            <a:schemeClr val="lt1"/>
-          </a:fontRef>
-        </p:style>
-        <p:txBody>
-          <a:bodyPr rtlCol="0" anchor="ctr"/>
-          <a:lstStyle/>
-          <a:p>
-            <a:pPr algn="ctr"/>
-            <a:endParaRPr lang="en-US" dirty="0"/>
-          </a:p>
-        </p:txBody>
-      </p:sp>
-      <p:sp>
-        <p:nvSpPr>
-          <p:cNvPr id="32" name="TextBox 31">
-            <a:extLst>
-              <a:ext uri="{FF2B5EF4-FFF2-40B4-BE49-F238E27FC236}">
-                <a16:creationId xmlns:a16="http://schemas.microsoft.com/office/drawing/2014/main" id="{1067B15C-E9BC-7C16-4B04-D4A84EAAD66A}"/>
-              </a:ext>
-            </a:extLst>
-          </p:cNvPr>
-          <p:cNvSpPr txBox="1"/>
-          <p:nvPr/>
-        </p:nvSpPr>
-        <p:spPr>
-          <a:xfrm>
-            <a:off x="19797393" y="2380766"/>
-            <a:ext cx="12689750" cy="646331"/>
-          </a:xfrm>
-          <a:prstGeom prst="rect">
-            <a:avLst/>
-          </a:prstGeom>
-          <a:noFill/>
-        </p:spPr>
-        <p:txBody>
-          <a:bodyPr wrap="square" rtlCol="0">
-            <a:spAutoFit/>
-          </a:bodyPr>
-          <a:lstStyle/>
-          <a:p>
-            <a:pPr algn="ctr"/>
-            <a:r>
-              <a:rPr lang="en-US" sz="3600" b="1" dirty="0">
-                <a:solidFill>
-                  <a:schemeClr val="bg1"/>
-                </a:solidFill>
-                <a:latin typeface="Times New Roman" panose="02020603050405020304" pitchFamily="18" charset="0"/>
-                <a:cs typeface="Times New Roman" panose="02020603050405020304" pitchFamily="18" charset="0"/>
-              </a:rPr>
-              <a:t>2-Part Methodology: Models &amp; Workflow</a:t>
-            </a:r>
-          </a:p>
-        </p:txBody>
-      </p:sp>
-      <p:sp>
-        <p:nvSpPr>
-          <p:cNvPr id="33" name="Rectangle: Diagonal Corners Rounded 32">
-            <a:extLst>
-              <a:ext uri="{FF2B5EF4-FFF2-40B4-BE49-F238E27FC236}">
-                <a16:creationId xmlns:a16="http://schemas.microsoft.com/office/drawing/2014/main" id="{3077BDE0-38C9-7B6B-F7D0-F72BEFFCB862}"/>
-              </a:ext>
-            </a:extLst>
-          </p:cNvPr>
-          <p:cNvSpPr/>
-          <p:nvPr/>
-        </p:nvSpPr>
-        <p:spPr>
-          <a:xfrm>
-            <a:off x="8082063" y="2185490"/>
-            <a:ext cx="11220861" cy="984664"/>
-          </a:xfrm>
-          <a:prstGeom prst="round2DiagRect">
-            <a:avLst/>
-          </a:prstGeom>
-          <a:solidFill>
-            <a:srgbClr val="CC3300"/>
-          </a:solidFill>
-          <a:ln w="63500">
-            <a:solidFill>
-              <a:srgbClr val="CC3300"/>
-            </a:solidFill>
-          </a:ln>
-        </p:spPr>
-        <p:style>
-          <a:lnRef idx="2">
-            <a:schemeClr val="accent1">
-              <a:shade val="50000"/>
-            </a:schemeClr>
-          </a:lnRef>
-          <a:fillRef idx="1">
-            <a:schemeClr val="accent1"/>
-          </a:fillRef>
-          <a:effectRef idx="0">
-            <a:schemeClr val="accent1"/>
-          </a:effectRef>
-          <a:fontRef idx="minor">
-            <a:schemeClr val="lt1"/>
-          </a:fontRef>
-        </p:style>
-        <p:txBody>
-          <a:bodyPr rtlCol="0" anchor="ctr"/>
-          <a:lstStyle/>
-          <a:p>
-            <a:pPr algn="ctr"/>
-            <a:endParaRPr lang="en-US" dirty="0"/>
-          </a:p>
-        </p:txBody>
-      </p:sp>
-      <p:sp>
-        <p:nvSpPr>
-          <p:cNvPr id="34" name="TextBox 33">
-            <a:extLst>
-              <a:ext uri="{FF2B5EF4-FFF2-40B4-BE49-F238E27FC236}">
-                <a16:creationId xmlns:a16="http://schemas.microsoft.com/office/drawing/2014/main" id="{A1111F38-C30D-7777-8A02-76D6488C4AAE}"/>
-              </a:ext>
-            </a:extLst>
-          </p:cNvPr>
-          <p:cNvSpPr txBox="1"/>
-          <p:nvPr/>
-        </p:nvSpPr>
-        <p:spPr>
-          <a:xfrm>
-            <a:off x="8140388" y="2377526"/>
-            <a:ext cx="11177107" cy="646331"/>
-          </a:xfrm>
-          <a:prstGeom prst="rect">
-            <a:avLst/>
-          </a:prstGeom>
-          <a:noFill/>
-        </p:spPr>
-        <p:txBody>
-          <a:bodyPr wrap="square" rtlCol="0">
-            <a:spAutoFit/>
-          </a:bodyPr>
-          <a:lstStyle/>
-          <a:p>
-            <a:pPr algn="ctr"/>
-            <a:r>
-              <a:rPr lang="en-US" sz="3600" b="1" dirty="0">
-                <a:solidFill>
-                  <a:schemeClr val="bg1"/>
-                </a:solidFill>
-                <a:latin typeface="Times New Roman" panose="02020603050405020304" pitchFamily="18" charset="0"/>
-                <a:cs typeface="Times New Roman" panose="02020603050405020304" pitchFamily="18" charset="0"/>
-              </a:rPr>
-              <a:t>Dataset &amp; Features: Default of Credit Card Clients</a:t>
-            </a:r>
-          </a:p>
-        </p:txBody>
-      </p:sp>
-      <p:sp>
-        <p:nvSpPr>
-          <p:cNvPr id="36" name="TextBox 35">
-            <a:extLst>
-              <a:ext uri="{FF2B5EF4-FFF2-40B4-BE49-F238E27FC236}">
-                <a16:creationId xmlns:a16="http://schemas.microsoft.com/office/drawing/2014/main" id="{A359C509-1F4C-E854-3DEE-CAB510E43AF5}"/>
-              </a:ext>
-            </a:extLst>
-          </p:cNvPr>
-          <p:cNvSpPr txBox="1"/>
-          <p:nvPr/>
-        </p:nvSpPr>
-        <p:spPr>
-          <a:xfrm>
-            <a:off x="8179028" y="7001644"/>
-            <a:ext cx="11159297" cy="3785652"/>
-          </a:xfrm>
-          <a:prstGeom prst="rect">
-            <a:avLst/>
-          </a:prstGeom>
-          <a:noFill/>
-        </p:spPr>
-        <p:txBody>
-          <a:bodyPr wrap="square" rtlCol="0">
-            <a:spAutoFit/>
-          </a:bodyPr>
-          <a:lstStyle/>
-          <a:p>
-            <a:r>
-              <a:rPr lang="en-US" sz="3000" dirty="0">
-                <a:latin typeface="Times New Roman" panose="02020603050405020304" pitchFamily="18" charset="0"/>
-                <a:cs typeface="Times New Roman" panose="02020603050405020304" pitchFamily="18" charset="0"/>
-              </a:rPr>
-              <a:t>Dataset has 30</a:t>
-            </a:r>
-            <a:r>
-              <a:rPr lang="en-US" altLang="zh-CN" sz="3000" dirty="0">
-                <a:latin typeface="Times New Roman" panose="02020603050405020304" pitchFamily="18" charset="0"/>
-                <a:cs typeface="Times New Roman" panose="02020603050405020304" pitchFamily="18" charset="0"/>
-              </a:rPr>
-              <a:t>k</a:t>
-            </a:r>
-            <a:r>
-              <a:rPr lang="en-US" sz="3000" dirty="0">
-                <a:latin typeface="Times New Roman" panose="02020603050405020304" pitchFamily="18" charset="0"/>
-                <a:cs typeface="Times New Roman" panose="02020603050405020304" pitchFamily="18" charset="0"/>
-              </a:rPr>
-              <a:t> observations, 6,636 (22%) default; includes 23 attributes covering demographic and card historical information. All features are used and further analyzed by PCA &amp; K-means.</a:t>
-            </a:r>
-          </a:p>
-          <a:p>
-            <a:r>
-              <a:rPr lang="en-US" sz="3000" b="1" dirty="0">
-                <a:latin typeface="Times New Roman" panose="02020603050405020304" pitchFamily="18" charset="0"/>
-                <a:cs typeface="Times New Roman" panose="02020603050405020304" pitchFamily="18" charset="0"/>
-              </a:rPr>
-              <a:t>EDA</a:t>
-            </a:r>
-            <a:r>
-              <a:rPr lang="en-US" sz="3000" dirty="0">
-                <a:latin typeface="Times New Roman" panose="02020603050405020304" pitchFamily="18" charset="0"/>
-                <a:cs typeface="Times New Roman" panose="02020603050405020304" pitchFamily="18" charset="0"/>
-              </a:rPr>
-              <a:t>:</a:t>
-            </a:r>
-          </a:p>
-          <a:p>
-            <a:pPr marL="914400" lvl="1" indent="-457200">
-              <a:buFont typeface="+mj-lt"/>
-              <a:buAutoNum type="arabicPeriod"/>
-            </a:pPr>
-            <a:r>
-              <a:rPr lang="en-US" sz="3000" dirty="0">
-                <a:latin typeface="Times New Roman" panose="02020603050405020304" pitchFamily="18" charset="0"/>
-                <a:cs typeface="Times New Roman" panose="02020603050405020304" pitchFamily="18" charset="0"/>
-              </a:rPr>
-              <a:t>No Missing Value – Reasonable Values</a:t>
-            </a:r>
-          </a:p>
-          <a:p>
-            <a:pPr marL="971550" lvl="1" indent="-514350">
-              <a:buFont typeface="+mj-lt"/>
-              <a:buAutoNum type="arabicPeriod"/>
-            </a:pPr>
-            <a:r>
-              <a:rPr lang="en-US" sz="3000" dirty="0">
-                <a:latin typeface="Times New Roman" panose="02020603050405020304" pitchFamily="18" charset="0"/>
-                <a:cs typeface="Times New Roman" panose="02020603050405020304" pitchFamily="18" charset="0"/>
-              </a:rPr>
-              <a:t>Normalization &amp; Discretization (9 Categories)</a:t>
-            </a:r>
-          </a:p>
-          <a:p>
-            <a:pPr marL="971550" lvl="1" indent="-514350">
-              <a:buFont typeface="+mj-lt"/>
-              <a:buAutoNum type="arabicPeriod"/>
-            </a:pPr>
-            <a:r>
-              <a:rPr lang="en-US" sz="3000" dirty="0">
-                <a:latin typeface="Times New Roman" panose="02020603050405020304" pitchFamily="18" charset="0"/>
-                <a:cs typeface="Times New Roman" panose="02020603050405020304" pitchFamily="18" charset="0"/>
-              </a:rPr>
-              <a:t>Correlation Matrix – Marriage &amp; Age (0.41)</a:t>
-            </a:r>
-          </a:p>
-          <a:p>
-            <a:pPr marL="971550" lvl="1" indent="-514350">
-              <a:buFont typeface="+mj-lt"/>
-              <a:buAutoNum type="arabicPeriod"/>
-            </a:pPr>
-            <a:r>
-              <a:rPr lang="en-US" sz="3000" dirty="0">
-                <a:latin typeface="Times New Roman" panose="02020603050405020304" pitchFamily="18" charset="0"/>
-                <a:cs typeface="Times New Roman" panose="02020603050405020304" pitchFamily="18" charset="0"/>
-              </a:rPr>
-              <a:t>Training vs Testing: 80% / 20%</a:t>
-            </a:r>
-          </a:p>
-        </p:txBody>
-      </p:sp>
-      <p:sp>
-        <p:nvSpPr>
-          <p:cNvPr id="37" name="Rectangle: Diagonal Corners Rounded 36">
-            <a:extLst>
-              <a:ext uri="{FF2B5EF4-FFF2-40B4-BE49-F238E27FC236}">
-                <a16:creationId xmlns:a16="http://schemas.microsoft.com/office/drawing/2014/main" id="{1CFA7D0A-9791-C3D7-B5DE-5A225B75A7B6}"/>
-              </a:ext>
-            </a:extLst>
-          </p:cNvPr>
-          <p:cNvSpPr/>
-          <p:nvPr/>
-        </p:nvSpPr>
-        <p:spPr>
-          <a:xfrm>
-            <a:off x="8020448" y="2191975"/>
-            <a:ext cx="11279236" cy="8777585"/>
-          </a:xfrm>
-          <a:prstGeom prst="round2DiagRect">
-            <a:avLst/>
-          </a:prstGeom>
-          <a:noFill/>
-          <a:ln w="63500">
-            <a:solidFill>
-              <a:srgbClr val="CC3300"/>
-            </a:solidFill>
-          </a:ln>
-        </p:spPr>
-        <p:style>
-          <a:lnRef idx="2">
-            <a:schemeClr val="accent1">
-              <a:shade val="50000"/>
-            </a:schemeClr>
-          </a:lnRef>
-          <a:fillRef idx="1">
-            <a:schemeClr val="accent1"/>
-          </a:fillRef>
-          <a:effectRef idx="0">
-            <a:schemeClr val="accent1"/>
-          </a:effectRef>
-          <a:fontRef idx="minor">
-            <a:schemeClr val="lt1"/>
-          </a:fontRef>
-        </p:style>
-        <p:txBody>
-          <a:bodyPr rtlCol="0" anchor="ctr"/>
-          <a:lstStyle/>
-          <a:p>
-            <a:pPr algn="ctr"/>
-            <a:endParaRPr lang="en-US" dirty="0"/>
-          </a:p>
-        </p:txBody>
-      </p:sp>
-      <p:sp>
-        <p:nvSpPr>
-          <p:cNvPr id="38" name="Rectangle: Diagonal Corners Rounded 37">
-            <a:extLst>
-              <a:ext uri="{FF2B5EF4-FFF2-40B4-BE49-F238E27FC236}">
-                <a16:creationId xmlns:a16="http://schemas.microsoft.com/office/drawing/2014/main" id="{C6D8DEB4-09BD-C50C-20AB-F4FF82BF6075}"/>
-              </a:ext>
-            </a:extLst>
-          </p:cNvPr>
-          <p:cNvSpPr/>
-          <p:nvPr/>
-        </p:nvSpPr>
-        <p:spPr>
-          <a:xfrm>
-            <a:off x="222118" y="2195211"/>
-            <a:ext cx="7346001" cy="937099"/>
-          </a:xfrm>
-          <a:prstGeom prst="round2DiagRect">
-            <a:avLst/>
-          </a:prstGeom>
-          <a:solidFill>
-            <a:srgbClr val="CC3300"/>
-          </a:solidFill>
-          <a:ln w="63500">
-            <a:solidFill>
-              <a:srgbClr val="CC3300"/>
-            </a:solidFill>
-          </a:ln>
-        </p:spPr>
-        <p:style>
-          <a:lnRef idx="2">
-            <a:schemeClr val="accent1">
-              <a:shade val="50000"/>
-            </a:schemeClr>
-          </a:lnRef>
-          <a:fillRef idx="1">
-            <a:schemeClr val="accent1"/>
-          </a:fillRef>
-          <a:effectRef idx="0">
-            <a:schemeClr val="accent1"/>
-          </a:effectRef>
-          <a:fontRef idx="minor">
-            <a:schemeClr val="lt1"/>
-          </a:fontRef>
-        </p:style>
-        <p:txBody>
-          <a:bodyPr rtlCol="0" anchor="ctr"/>
-          <a:lstStyle/>
-          <a:p>
-            <a:pPr algn="ctr"/>
-            <a:endParaRPr lang="en-US" dirty="0"/>
-          </a:p>
-        </p:txBody>
-      </p:sp>
-      <p:sp>
-        <p:nvSpPr>
-          <p:cNvPr id="39" name="TextBox 38">
-            <a:extLst>
-              <a:ext uri="{FF2B5EF4-FFF2-40B4-BE49-F238E27FC236}">
-                <a16:creationId xmlns:a16="http://schemas.microsoft.com/office/drawing/2014/main" id="{DB8DBB13-048D-F88C-142D-7F492EF81CC2}"/>
-              </a:ext>
-            </a:extLst>
-          </p:cNvPr>
-          <p:cNvSpPr txBox="1"/>
-          <p:nvPr/>
-        </p:nvSpPr>
-        <p:spPr>
-          <a:xfrm>
-            <a:off x="222119" y="2353745"/>
-            <a:ext cx="7357334" cy="646331"/>
-          </a:xfrm>
-          <a:prstGeom prst="rect">
-            <a:avLst/>
-          </a:prstGeom>
-          <a:noFill/>
-        </p:spPr>
-        <p:txBody>
-          <a:bodyPr wrap="square" rtlCol="0">
-            <a:spAutoFit/>
-          </a:bodyPr>
-          <a:lstStyle/>
-          <a:p>
-            <a:pPr algn="ctr"/>
-            <a:r>
-              <a:rPr lang="en-US" sz="3600" b="1" dirty="0">
-                <a:solidFill>
-                  <a:schemeClr val="bg1"/>
-                </a:solidFill>
-                <a:latin typeface="Times New Roman" panose="02020603050405020304" pitchFamily="18" charset="0"/>
-                <a:cs typeface="Times New Roman" panose="02020603050405020304" pitchFamily="18" charset="0"/>
-              </a:rPr>
-              <a:t>Predicting</a:t>
-            </a:r>
-          </a:p>
-        </p:txBody>
-      </p:sp>
-      <p:sp>
-        <p:nvSpPr>
-          <p:cNvPr id="40" name="Rectangle: Diagonal Corners Rounded 39">
-            <a:extLst>
-              <a:ext uri="{FF2B5EF4-FFF2-40B4-BE49-F238E27FC236}">
-                <a16:creationId xmlns:a16="http://schemas.microsoft.com/office/drawing/2014/main" id="{4B1D23E1-EB77-D4A3-B891-C80BEDB27CB4}"/>
-              </a:ext>
-            </a:extLst>
-          </p:cNvPr>
-          <p:cNvSpPr/>
-          <p:nvPr/>
-        </p:nvSpPr>
-        <p:spPr>
-          <a:xfrm>
-            <a:off x="24705015" y="17190733"/>
-            <a:ext cx="7782127" cy="610890"/>
-          </a:xfrm>
-          <a:prstGeom prst="round2DiagRect">
-            <a:avLst/>
-          </a:prstGeom>
-          <a:solidFill>
-            <a:srgbClr val="CC3300"/>
-          </a:solidFill>
-          <a:ln w="63500">
-            <a:solidFill>
-              <a:srgbClr val="CC3300"/>
-            </a:solidFill>
-          </a:ln>
-        </p:spPr>
-        <p:style>
-          <a:lnRef idx="2">
-            <a:schemeClr val="accent1">
-              <a:shade val="50000"/>
-            </a:schemeClr>
-          </a:lnRef>
-          <a:fillRef idx="1">
-            <a:schemeClr val="accent1"/>
-          </a:fillRef>
-          <a:effectRef idx="0">
-            <a:schemeClr val="accent1"/>
-          </a:effectRef>
-          <a:fontRef idx="minor">
-            <a:schemeClr val="lt1"/>
-          </a:fontRef>
-        </p:style>
-        <p:txBody>
-          <a:bodyPr rtlCol="0" anchor="ctr"/>
-          <a:lstStyle/>
-          <a:p>
-            <a:pPr algn="ctr"/>
-            <a:endParaRPr lang="en-US" dirty="0"/>
-          </a:p>
-        </p:txBody>
-      </p:sp>
-      <p:sp>
-        <p:nvSpPr>
-          <p:cNvPr id="42" name="TextBox 41">
-            <a:extLst>
-              <a:ext uri="{FF2B5EF4-FFF2-40B4-BE49-F238E27FC236}">
-                <a16:creationId xmlns:a16="http://schemas.microsoft.com/office/drawing/2014/main" id="{8EA7A839-B2F7-258F-855E-93A9E5AAF005}"/>
-              </a:ext>
-            </a:extLst>
-          </p:cNvPr>
-          <p:cNvSpPr txBox="1"/>
-          <p:nvPr/>
-        </p:nvSpPr>
-        <p:spPr>
-          <a:xfrm>
-            <a:off x="24708256" y="17187359"/>
-            <a:ext cx="7785366" cy="646331"/>
-          </a:xfrm>
-          <a:prstGeom prst="rect">
-            <a:avLst/>
-          </a:prstGeom>
-          <a:noFill/>
-        </p:spPr>
-        <p:txBody>
-          <a:bodyPr wrap="square" rtlCol="0">
-            <a:spAutoFit/>
-          </a:bodyPr>
-          <a:lstStyle/>
-          <a:p>
-            <a:pPr algn="ctr"/>
-            <a:r>
-              <a:rPr lang="en-US" sz="3600" b="1" dirty="0">
-                <a:solidFill>
-                  <a:schemeClr val="bg1"/>
-                </a:solidFill>
-                <a:latin typeface="Times New Roman" panose="02020603050405020304" pitchFamily="18" charset="0"/>
-                <a:cs typeface="Times New Roman" panose="02020603050405020304" pitchFamily="18" charset="0"/>
-              </a:rPr>
-              <a:t>References</a:t>
-            </a:r>
-          </a:p>
-        </p:txBody>
-      </p:sp>
-      <p:sp>
-        <p:nvSpPr>
-          <p:cNvPr id="43" name="TextBox 42">
-            <a:extLst>
-              <a:ext uri="{FF2B5EF4-FFF2-40B4-BE49-F238E27FC236}">
-                <a16:creationId xmlns:a16="http://schemas.microsoft.com/office/drawing/2014/main" id="{98A0C529-6ABE-58C7-7803-78A9B800C6C7}"/>
-              </a:ext>
-            </a:extLst>
-          </p:cNvPr>
-          <p:cNvSpPr txBox="1"/>
-          <p:nvPr/>
-        </p:nvSpPr>
-        <p:spPr>
-          <a:xfrm>
-            <a:off x="222118" y="3132310"/>
-            <a:ext cx="7311954" cy="477054"/>
-          </a:xfrm>
-          <a:prstGeom prst="rect">
-            <a:avLst/>
-          </a:prstGeom>
-          <a:noFill/>
-        </p:spPr>
-        <p:txBody>
-          <a:bodyPr wrap="square" rtlCol="0">
-            <a:spAutoFit/>
-          </a:bodyPr>
-          <a:lstStyle/>
-          <a:p>
-            <a:r>
-              <a:rPr lang="en-US" sz="2500" dirty="0">
-                <a:latin typeface="Times New Roman" panose="02020603050405020304" pitchFamily="18" charset="0"/>
-                <a:cs typeface="Times New Roman" panose="02020603050405020304" pitchFamily="18" charset="0"/>
-              </a:rPr>
-              <a:t>Credit Card Default</a:t>
-            </a:r>
-          </a:p>
-        </p:txBody>
-      </p:sp>
-      <p:sp>
-        <p:nvSpPr>
-          <p:cNvPr id="44" name="TextBox 43">
-            <a:extLst>
-              <a:ext uri="{FF2B5EF4-FFF2-40B4-BE49-F238E27FC236}">
-                <a16:creationId xmlns:a16="http://schemas.microsoft.com/office/drawing/2014/main" id="{B46E654C-FBBF-36C1-EA2B-138B65135692}"/>
-              </a:ext>
-            </a:extLst>
-          </p:cNvPr>
-          <p:cNvSpPr txBox="1"/>
-          <p:nvPr/>
-        </p:nvSpPr>
-        <p:spPr>
-          <a:xfrm>
-            <a:off x="24755262" y="17923773"/>
-            <a:ext cx="7738360" cy="3816429"/>
-          </a:xfrm>
-          <a:prstGeom prst="rect">
-            <a:avLst/>
-          </a:prstGeom>
-          <a:noFill/>
-        </p:spPr>
-        <p:txBody>
-          <a:bodyPr wrap="square" rtlCol="0">
-            <a:spAutoFit/>
-          </a:bodyPr>
-          <a:lstStyle/>
-          <a:p>
-            <a:r>
-              <a:rPr lang="en-US" sz="2200" dirty="0">
-                <a:latin typeface="Times New Roman" panose="02020603050405020304" pitchFamily="18" charset="0"/>
-                <a:cs typeface="Times New Roman" panose="02020603050405020304" pitchFamily="18" charset="0"/>
-              </a:rPr>
-              <a:t>[1] Liu, R.L. (2018) Machine Learning Approaches to Predict Default of Credit Card Clients. Modern Economy, 9, 1828-1838.</a:t>
-            </a:r>
-          </a:p>
-          <a:p>
-            <a:r>
-              <a:rPr lang="en-US" sz="2200" dirty="0">
-                <a:latin typeface="Times New Roman" panose="02020603050405020304" pitchFamily="18" charset="0"/>
-                <a:cs typeface="Times New Roman" panose="02020603050405020304" pitchFamily="18" charset="0"/>
-              </a:rPr>
-              <a:t>[2] I-Cheng Yeh, Che-hui Lien. The comparisons of data mining techniques for the predictive accuracy of probability of default of credit card clients. Expert Systems with Applications, Volume 36, Issue 2, Part 1, 2009, Pages 2473-2480, ISSN 0957-4174.</a:t>
-            </a:r>
-          </a:p>
-          <a:p>
-            <a:r>
-              <a:rPr lang="en-US" sz="2200" dirty="0">
-                <a:latin typeface="Times New Roman" panose="02020603050405020304" pitchFamily="18" charset="0"/>
-                <a:cs typeface="Times New Roman" panose="02020603050405020304" pitchFamily="18" charset="0"/>
-              </a:rPr>
-              <a:t>[3] </a:t>
-            </a:r>
-            <a:r>
-              <a:rPr lang="en-US" sz="2200" dirty="0" err="1">
-                <a:latin typeface="Times New Roman" panose="02020603050405020304" pitchFamily="18" charset="0"/>
-                <a:cs typeface="Times New Roman" panose="02020603050405020304" pitchFamily="18" charset="0"/>
-              </a:rPr>
-              <a:t>Husejinovic</a:t>
-            </a:r>
-            <a:r>
-              <a:rPr lang="en-US" sz="2200" dirty="0">
-                <a:latin typeface="Times New Roman" panose="02020603050405020304" pitchFamily="18" charset="0"/>
-                <a:cs typeface="Times New Roman" panose="02020603050405020304" pitchFamily="18" charset="0"/>
-              </a:rPr>
-              <a:t>, </a:t>
-            </a:r>
-            <a:r>
-              <a:rPr lang="en-US" sz="2200" dirty="0" err="1">
-                <a:latin typeface="Times New Roman" panose="02020603050405020304" pitchFamily="18" charset="0"/>
-                <a:cs typeface="Times New Roman" panose="02020603050405020304" pitchFamily="18" charset="0"/>
-              </a:rPr>
-              <a:t>Admel</a:t>
-            </a:r>
-            <a:r>
-              <a:rPr lang="en-US" sz="2200" dirty="0">
-                <a:latin typeface="Times New Roman" panose="02020603050405020304" pitchFamily="18" charset="0"/>
-                <a:cs typeface="Times New Roman" panose="02020603050405020304" pitchFamily="18" charset="0"/>
-              </a:rPr>
-              <a:t> and </a:t>
-            </a:r>
-            <a:r>
-              <a:rPr lang="en-US" sz="2200" dirty="0" err="1">
-                <a:latin typeface="Times New Roman" panose="02020603050405020304" pitchFamily="18" charset="0"/>
-                <a:cs typeface="Times New Roman" panose="02020603050405020304" pitchFamily="18" charset="0"/>
-              </a:rPr>
-              <a:t>Kečo</a:t>
-            </a:r>
-            <a:r>
-              <a:rPr lang="en-US" sz="2200" dirty="0">
-                <a:latin typeface="Times New Roman" panose="02020603050405020304" pitchFamily="18" charset="0"/>
-                <a:cs typeface="Times New Roman" panose="02020603050405020304" pitchFamily="18" charset="0"/>
-              </a:rPr>
-              <a:t>, Dino and </a:t>
-            </a:r>
-            <a:r>
-              <a:rPr lang="en-US" sz="2200" dirty="0" err="1">
-                <a:latin typeface="Times New Roman" panose="02020603050405020304" pitchFamily="18" charset="0"/>
-                <a:cs typeface="Times New Roman" panose="02020603050405020304" pitchFamily="18" charset="0"/>
-              </a:rPr>
-              <a:t>Masetic</a:t>
-            </a:r>
-            <a:r>
-              <a:rPr lang="en-US" sz="2200" dirty="0">
-                <a:latin typeface="Times New Roman" panose="02020603050405020304" pitchFamily="18" charset="0"/>
-                <a:cs typeface="Times New Roman" panose="02020603050405020304" pitchFamily="18" charset="0"/>
-              </a:rPr>
-              <a:t>, </a:t>
-            </a:r>
-            <a:r>
-              <a:rPr lang="en-US" sz="2200" dirty="0" err="1">
-                <a:latin typeface="Times New Roman" panose="02020603050405020304" pitchFamily="18" charset="0"/>
-                <a:cs typeface="Times New Roman" panose="02020603050405020304" pitchFamily="18" charset="0"/>
-              </a:rPr>
-              <a:t>Zerina</a:t>
-            </a:r>
-            <a:r>
-              <a:rPr lang="en-US" sz="2200" dirty="0">
-                <a:latin typeface="Times New Roman" panose="02020603050405020304" pitchFamily="18" charset="0"/>
-                <a:cs typeface="Times New Roman" panose="02020603050405020304" pitchFamily="18" charset="0"/>
-              </a:rPr>
-              <a:t>, Application of Machine Learning Algorithms in Credit Card Default Payment Prediction (October 1, 2018). A </a:t>
-            </a:r>
-            <a:r>
-              <a:rPr lang="en-US" sz="2200" dirty="0" err="1">
-                <a:latin typeface="Times New Roman" panose="02020603050405020304" pitchFamily="18" charset="0"/>
-                <a:cs typeface="Times New Roman" panose="02020603050405020304" pitchFamily="18" charset="0"/>
-              </a:rPr>
-              <a:t>Husejinovic</a:t>
-            </a:r>
-            <a:r>
-              <a:rPr lang="en-US" sz="2200" dirty="0">
-                <a:latin typeface="Times New Roman" panose="02020603050405020304" pitchFamily="18" charset="0"/>
-                <a:cs typeface="Times New Roman" panose="02020603050405020304" pitchFamily="18" charset="0"/>
-              </a:rPr>
-              <a:t>, D </a:t>
-            </a:r>
-            <a:r>
-              <a:rPr lang="en-US" sz="2200" dirty="0" err="1">
-                <a:latin typeface="Times New Roman" panose="02020603050405020304" pitchFamily="18" charset="0"/>
-                <a:cs typeface="Times New Roman" panose="02020603050405020304" pitchFamily="18" charset="0"/>
-              </a:rPr>
-              <a:t>Keco</a:t>
-            </a:r>
-            <a:r>
-              <a:rPr lang="en-US" sz="2200" dirty="0">
-                <a:latin typeface="Times New Roman" panose="02020603050405020304" pitchFamily="18" charset="0"/>
-                <a:cs typeface="Times New Roman" panose="02020603050405020304" pitchFamily="18" charset="0"/>
-              </a:rPr>
-              <a:t>, Z </a:t>
-            </a:r>
-            <a:r>
-              <a:rPr lang="en-US" sz="2200" dirty="0" err="1">
-                <a:latin typeface="Times New Roman" panose="02020603050405020304" pitchFamily="18" charset="0"/>
-                <a:cs typeface="Times New Roman" panose="02020603050405020304" pitchFamily="18" charset="0"/>
-              </a:rPr>
-              <a:t>Masetic</a:t>
-            </a:r>
-            <a:r>
-              <a:rPr lang="en-US" sz="2200" dirty="0">
-                <a:latin typeface="Times New Roman" panose="02020603050405020304" pitchFamily="18" charset="0"/>
-                <a:cs typeface="Times New Roman" panose="02020603050405020304" pitchFamily="18" charset="0"/>
-              </a:rPr>
-              <a:t>, International Journal of Scientific Research 7 (10), 425-426, 2018.</a:t>
-            </a:r>
-          </a:p>
-        </p:txBody>
-      </p:sp>
-      <p:sp>
-        <p:nvSpPr>
-          <p:cNvPr id="45" name="Rectangle: Diagonal Corners Rounded 44">
-            <a:extLst>
-              <a:ext uri="{FF2B5EF4-FFF2-40B4-BE49-F238E27FC236}">
-                <a16:creationId xmlns:a16="http://schemas.microsoft.com/office/drawing/2014/main" id="{0DC91F10-7C50-7F82-5C9B-5907883828C8}"/>
-              </a:ext>
-            </a:extLst>
-          </p:cNvPr>
-          <p:cNvSpPr/>
-          <p:nvPr/>
-        </p:nvSpPr>
-        <p:spPr>
-          <a:xfrm>
-            <a:off x="19782820" y="8346335"/>
-            <a:ext cx="12704322" cy="2623225"/>
-          </a:xfrm>
-          <a:prstGeom prst="round2DiagRect">
-            <a:avLst/>
-          </a:prstGeom>
-          <a:noFill/>
-          <a:ln w="63500">
-            <a:solidFill>
-              <a:srgbClr val="CC3300"/>
-            </a:solidFill>
-          </a:ln>
-        </p:spPr>
-        <p:style>
-          <a:lnRef idx="2">
-            <a:schemeClr val="accent1">
-              <a:shade val="50000"/>
-            </a:schemeClr>
-          </a:lnRef>
-          <a:fillRef idx="1">
-            <a:schemeClr val="accent1"/>
-          </a:fillRef>
-          <a:effectRef idx="0">
-            <a:schemeClr val="accent1"/>
-          </a:effectRef>
-          <a:fontRef idx="minor">
-            <a:schemeClr val="lt1"/>
-          </a:fontRef>
-        </p:style>
-        <p:txBody>
-          <a:bodyPr rtlCol="0" anchor="ctr"/>
-          <a:lstStyle/>
-          <a:p>
-            <a:pPr algn="ctr"/>
-            <a:endParaRPr lang="en-US" dirty="0"/>
-          </a:p>
-        </p:txBody>
-      </p:sp>
-      <p:sp>
-        <p:nvSpPr>
-          <p:cNvPr id="47" name="Rectangle: Diagonal Corners Rounded 46">
-            <a:extLst>
-              <a:ext uri="{FF2B5EF4-FFF2-40B4-BE49-F238E27FC236}">
-                <a16:creationId xmlns:a16="http://schemas.microsoft.com/office/drawing/2014/main" id="{FE7531A7-04E0-ECB6-95FF-B778351A60DC}"/>
-              </a:ext>
-            </a:extLst>
-          </p:cNvPr>
-          <p:cNvSpPr/>
-          <p:nvPr/>
-        </p:nvSpPr>
-        <p:spPr>
-          <a:xfrm>
-            <a:off x="15838234" y="17184119"/>
-            <a:ext cx="8458219" cy="739654"/>
-          </a:xfrm>
-          <a:prstGeom prst="round2DiagRect">
-            <a:avLst/>
-          </a:prstGeom>
-          <a:solidFill>
-            <a:srgbClr val="CC3300"/>
-          </a:solidFill>
-          <a:ln w="63500">
-            <a:solidFill>
-              <a:srgbClr val="CC3300"/>
-            </a:solidFill>
-          </a:ln>
-        </p:spPr>
-        <p:style>
-          <a:lnRef idx="2">
-            <a:schemeClr val="accent1">
-              <a:shade val="50000"/>
-            </a:schemeClr>
-          </a:lnRef>
-          <a:fillRef idx="1">
-            <a:schemeClr val="accent1"/>
-          </a:fillRef>
-          <a:effectRef idx="0">
-            <a:schemeClr val="accent1"/>
-          </a:effectRef>
-          <a:fontRef idx="minor">
-            <a:schemeClr val="lt1"/>
-          </a:fontRef>
-        </p:style>
-        <p:txBody>
-          <a:bodyPr rtlCol="0" anchor="ctr"/>
-          <a:lstStyle/>
-          <a:p>
-            <a:pPr algn="ctr"/>
-            <a:endParaRPr lang="en-US" dirty="0"/>
-          </a:p>
-        </p:txBody>
-      </p:sp>
-      <p:sp>
-        <p:nvSpPr>
-          <p:cNvPr id="48" name="TextBox 47">
-            <a:extLst>
-              <a:ext uri="{FF2B5EF4-FFF2-40B4-BE49-F238E27FC236}">
-                <a16:creationId xmlns:a16="http://schemas.microsoft.com/office/drawing/2014/main" id="{AC199AA5-EA50-3FBF-3344-18A081333876}"/>
-              </a:ext>
-            </a:extLst>
-          </p:cNvPr>
-          <p:cNvSpPr txBox="1"/>
-          <p:nvPr/>
-        </p:nvSpPr>
-        <p:spPr>
-          <a:xfrm>
-            <a:off x="15838233" y="17230780"/>
-            <a:ext cx="8464699" cy="646331"/>
-          </a:xfrm>
-          <a:prstGeom prst="rect">
-            <a:avLst/>
-          </a:prstGeom>
-          <a:noFill/>
-        </p:spPr>
-        <p:txBody>
-          <a:bodyPr wrap="square" rtlCol="0">
-            <a:spAutoFit/>
-          </a:bodyPr>
-          <a:lstStyle/>
-          <a:p>
-            <a:pPr algn="ctr"/>
-            <a:r>
-              <a:rPr lang="en-US" sz="3600" b="1" dirty="0">
-                <a:solidFill>
-                  <a:schemeClr val="bg1"/>
-                </a:solidFill>
-                <a:latin typeface="Times New Roman" panose="02020603050405020304" pitchFamily="18" charset="0"/>
-                <a:cs typeface="Times New Roman" panose="02020603050405020304" pitchFamily="18" charset="0"/>
-              </a:rPr>
-              <a:t>Future Work</a:t>
-            </a:r>
-          </a:p>
-        </p:txBody>
-      </p:sp>
-      <p:sp>
-        <p:nvSpPr>
-          <p:cNvPr id="49" name="TextBox 48">
-            <a:extLst>
-              <a:ext uri="{FF2B5EF4-FFF2-40B4-BE49-F238E27FC236}">
-                <a16:creationId xmlns:a16="http://schemas.microsoft.com/office/drawing/2014/main" id="{DE78D914-C158-290E-BB7D-3B6C3D97BB1B}"/>
-              </a:ext>
-            </a:extLst>
-          </p:cNvPr>
-          <p:cNvSpPr txBox="1"/>
-          <p:nvPr/>
-        </p:nvSpPr>
-        <p:spPr>
-          <a:xfrm>
-            <a:off x="15880401" y="18017805"/>
-            <a:ext cx="8416052" cy="3785652"/>
-          </a:xfrm>
-          <a:prstGeom prst="rect">
-            <a:avLst/>
-          </a:prstGeom>
-          <a:noFill/>
-        </p:spPr>
-        <p:txBody>
-          <a:bodyPr wrap="square" rtlCol="0">
-            <a:spAutoFit/>
-          </a:bodyPr>
-          <a:lstStyle/>
-          <a:p>
-            <a:r>
-              <a:rPr lang="en-US" sz="3000" dirty="0">
-                <a:latin typeface="Times New Roman" panose="02020603050405020304" pitchFamily="18" charset="0"/>
-                <a:cs typeface="Times New Roman" panose="02020603050405020304" pitchFamily="18" charset="0"/>
-              </a:rPr>
-              <a:t>For the future work, </a:t>
-            </a:r>
-            <a:r>
-              <a:rPr lang="en-US" sz="3000" b="1" dirty="0">
-                <a:latin typeface="Times New Roman" panose="02020603050405020304" pitchFamily="18" charset="0"/>
-                <a:cs typeface="Times New Roman" panose="02020603050405020304" pitchFamily="18" charset="0"/>
-              </a:rPr>
-              <a:t>k-fold cross-validation</a:t>
-            </a:r>
-            <a:r>
-              <a:rPr lang="en-US" sz="3000" dirty="0">
-                <a:latin typeface="Times New Roman" panose="02020603050405020304" pitchFamily="18" charset="0"/>
-                <a:cs typeface="Times New Roman" panose="02020603050405020304" pitchFamily="18" charset="0"/>
-              </a:rPr>
-              <a:t> is under consideration since our research focused on 8/2 dataset split. Also, </a:t>
-            </a:r>
-            <a:r>
-              <a:rPr lang="en-US" sz="3000" b="1" dirty="0">
-                <a:latin typeface="Times New Roman" panose="02020603050405020304" pitchFamily="18" charset="0"/>
-                <a:cs typeface="Times New Roman" panose="02020603050405020304" pitchFamily="18" charset="0"/>
-              </a:rPr>
-              <a:t>neural networks</a:t>
-            </a:r>
-            <a:r>
-              <a:rPr lang="en-US" sz="3000" dirty="0">
-                <a:latin typeface="Times New Roman" panose="02020603050405020304" pitchFamily="18" charset="0"/>
-                <a:cs typeface="Times New Roman" panose="02020603050405020304" pitchFamily="18" charset="0"/>
-              </a:rPr>
-              <a:t> with more different number of layers/neurons need to be trained and compare the performance. Finally, SMOTE shows overfitting and so poor generalization ability; methods besides sampling, such as </a:t>
-            </a:r>
-            <a:r>
-              <a:rPr lang="en-US" sz="3000" b="1" dirty="0">
-                <a:latin typeface="Times New Roman" panose="02020603050405020304" pitchFamily="18" charset="0"/>
-                <a:cs typeface="Times New Roman" panose="02020603050405020304" pitchFamily="18" charset="0"/>
-              </a:rPr>
-              <a:t>kernel-based</a:t>
-            </a:r>
-            <a:r>
-              <a:rPr lang="en-US" sz="3000" dirty="0">
-                <a:latin typeface="Times New Roman" panose="02020603050405020304" pitchFamily="18" charset="0"/>
-                <a:cs typeface="Times New Roman" panose="02020603050405020304" pitchFamily="18" charset="0"/>
-              </a:rPr>
-              <a:t> and </a:t>
-            </a:r>
-            <a:r>
-              <a:rPr lang="en-US" sz="3000" b="1" dirty="0">
-                <a:latin typeface="Times New Roman" panose="02020603050405020304" pitchFamily="18" charset="0"/>
-                <a:cs typeface="Times New Roman" panose="02020603050405020304" pitchFamily="18" charset="0"/>
-              </a:rPr>
-              <a:t>cost-sensitive</a:t>
-            </a:r>
-            <a:r>
-              <a:rPr lang="en-US" sz="3000" dirty="0">
-                <a:latin typeface="Times New Roman" panose="02020603050405020304" pitchFamily="18" charset="0"/>
-                <a:cs typeface="Times New Roman" panose="02020603050405020304" pitchFamily="18" charset="0"/>
-              </a:rPr>
-              <a:t>, should be considered and tested.</a:t>
-            </a:r>
-          </a:p>
-        </p:txBody>
-      </p:sp>
-      <p:sp>
-        <p:nvSpPr>
-          <p:cNvPr id="50" name="Rectangle: Diagonal Corners Rounded 49">
-            <a:extLst>
-              <a:ext uri="{FF2B5EF4-FFF2-40B4-BE49-F238E27FC236}">
-                <a16:creationId xmlns:a16="http://schemas.microsoft.com/office/drawing/2014/main" id="{E46068C8-94E4-97E2-A1A5-638AC051F4E7}"/>
-              </a:ext>
-            </a:extLst>
-          </p:cNvPr>
-          <p:cNvSpPr/>
-          <p:nvPr/>
-        </p:nvSpPr>
-        <p:spPr>
-          <a:xfrm>
-            <a:off x="8020445" y="11281199"/>
-            <a:ext cx="7362216" cy="1034017"/>
-          </a:xfrm>
-          <a:prstGeom prst="round2DiagRect">
-            <a:avLst/>
-          </a:prstGeom>
-          <a:solidFill>
-            <a:srgbClr val="CC3300"/>
-          </a:solidFill>
-          <a:ln w="63500">
-            <a:solidFill>
-              <a:srgbClr val="CC3300"/>
-            </a:solidFill>
-          </a:ln>
-        </p:spPr>
-        <p:style>
-          <a:lnRef idx="2">
-            <a:schemeClr val="accent1">
-              <a:shade val="50000"/>
-            </a:schemeClr>
-          </a:lnRef>
-          <a:fillRef idx="1">
-            <a:schemeClr val="accent1"/>
-          </a:fillRef>
-          <a:effectRef idx="0">
-            <a:schemeClr val="accent1"/>
-          </a:effectRef>
-          <a:fontRef idx="minor">
-            <a:schemeClr val="lt1"/>
-          </a:fontRef>
-        </p:style>
-        <p:txBody>
-          <a:bodyPr rtlCol="0" anchor="ctr"/>
-          <a:lstStyle/>
-          <a:p>
-            <a:pPr algn="ctr"/>
-            <a:endParaRPr lang="en-US" dirty="0"/>
-          </a:p>
-        </p:txBody>
-      </p:sp>
-      <p:sp>
-        <p:nvSpPr>
-          <p:cNvPr id="51" name="TextBox 50">
-            <a:extLst>
-              <a:ext uri="{FF2B5EF4-FFF2-40B4-BE49-F238E27FC236}">
-                <a16:creationId xmlns:a16="http://schemas.microsoft.com/office/drawing/2014/main" id="{F68E3937-40EB-2901-B1E3-8EA35BAEB567}"/>
-              </a:ext>
-            </a:extLst>
-          </p:cNvPr>
-          <p:cNvSpPr txBox="1"/>
-          <p:nvPr/>
-        </p:nvSpPr>
-        <p:spPr>
-          <a:xfrm>
-            <a:off x="8031815" y="11397222"/>
-            <a:ext cx="7357334" cy="646331"/>
-          </a:xfrm>
-          <a:prstGeom prst="rect">
-            <a:avLst/>
-          </a:prstGeom>
-          <a:noFill/>
-        </p:spPr>
-        <p:txBody>
-          <a:bodyPr wrap="square" rtlCol="0">
-            <a:spAutoFit/>
-          </a:bodyPr>
-          <a:lstStyle/>
-          <a:p>
-            <a:pPr algn="ctr"/>
-            <a:r>
-              <a:rPr lang="en-US" sz="3600" b="1" dirty="0">
-                <a:solidFill>
-                  <a:schemeClr val="bg1"/>
-                </a:solidFill>
-                <a:latin typeface="Times New Roman" panose="02020603050405020304" pitchFamily="18" charset="0"/>
-                <a:cs typeface="Times New Roman" panose="02020603050405020304" pitchFamily="18" charset="0"/>
-              </a:rPr>
-              <a:t>Neural Network</a:t>
-            </a:r>
-          </a:p>
-        </p:txBody>
-      </p:sp>
-      <p:sp>
-        <p:nvSpPr>
-          <p:cNvPr id="52" name="Rectangle: Diagonal Corners Rounded 51">
-            <a:extLst>
-              <a:ext uri="{FF2B5EF4-FFF2-40B4-BE49-F238E27FC236}">
-                <a16:creationId xmlns:a16="http://schemas.microsoft.com/office/drawing/2014/main" id="{BCFA2714-BB64-2503-A304-286824DC300A}"/>
-              </a:ext>
-            </a:extLst>
-          </p:cNvPr>
-          <p:cNvSpPr/>
-          <p:nvPr/>
-        </p:nvSpPr>
-        <p:spPr>
-          <a:xfrm>
-            <a:off x="15857285" y="11274719"/>
-            <a:ext cx="16707267" cy="866110"/>
-          </a:xfrm>
-          <a:prstGeom prst="round2DiagRect">
-            <a:avLst/>
-          </a:prstGeom>
-          <a:solidFill>
-            <a:srgbClr val="CC3300"/>
-          </a:solidFill>
-          <a:ln w="63500">
-            <a:solidFill>
-              <a:srgbClr val="CC3300"/>
-            </a:solidFill>
-          </a:ln>
-        </p:spPr>
-        <p:style>
-          <a:lnRef idx="2">
-            <a:schemeClr val="accent1">
-              <a:shade val="50000"/>
-            </a:schemeClr>
-          </a:lnRef>
-          <a:fillRef idx="1">
-            <a:schemeClr val="accent1"/>
-          </a:fillRef>
-          <a:effectRef idx="0">
-            <a:schemeClr val="accent1"/>
-          </a:effectRef>
-          <a:fontRef idx="minor">
-            <a:schemeClr val="lt1"/>
-          </a:fontRef>
-        </p:style>
-        <p:txBody>
-          <a:bodyPr rtlCol="0" anchor="ctr"/>
-          <a:lstStyle/>
-          <a:p>
-            <a:pPr algn="ctr"/>
-            <a:endParaRPr lang="en-US" dirty="0"/>
-          </a:p>
-        </p:txBody>
-      </p:sp>
-      <p:sp>
-        <p:nvSpPr>
-          <p:cNvPr id="53" name="TextBox 52">
-            <a:extLst>
-              <a:ext uri="{FF2B5EF4-FFF2-40B4-BE49-F238E27FC236}">
-                <a16:creationId xmlns:a16="http://schemas.microsoft.com/office/drawing/2014/main" id="{1985A1B1-4ADD-73CB-0703-57E72EC478BC}"/>
-              </a:ext>
-            </a:extLst>
-          </p:cNvPr>
-          <p:cNvSpPr txBox="1"/>
-          <p:nvPr/>
-        </p:nvSpPr>
-        <p:spPr>
-          <a:xfrm>
-            <a:off x="15844719" y="11416678"/>
-            <a:ext cx="16707263" cy="646331"/>
-          </a:xfrm>
-          <a:prstGeom prst="rect">
-            <a:avLst/>
-          </a:prstGeom>
-          <a:noFill/>
-        </p:spPr>
-        <p:txBody>
-          <a:bodyPr wrap="square" rtlCol="0">
-            <a:spAutoFit/>
-          </a:bodyPr>
-          <a:lstStyle/>
-          <a:p>
-            <a:pPr algn="ctr"/>
-            <a:r>
-              <a:rPr lang="en-US" sz="3600" b="1" dirty="0">
-                <a:solidFill>
-                  <a:schemeClr val="bg1"/>
-                </a:solidFill>
-                <a:latin typeface="Times New Roman" panose="02020603050405020304" pitchFamily="18" charset="0"/>
-                <a:cs typeface="Times New Roman" panose="02020603050405020304" pitchFamily="18" charset="0"/>
-              </a:rPr>
-              <a:t>Results &amp; Discussion</a:t>
-            </a:r>
-          </a:p>
-        </p:txBody>
-      </p:sp>
-      <p:sp>
-        <p:nvSpPr>
-          <p:cNvPr id="54" name="Rectangle: Diagonal Corners Rounded 53">
-            <a:extLst>
-              <a:ext uri="{FF2B5EF4-FFF2-40B4-BE49-F238E27FC236}">
-                <a16:creationId xmlns:a16="http://schemas.microsoft.com/office/drawing/2014/main" id="{980240D7-1504-A3D4-BEFA-3921DE0C69C0}"/>
-              </a:ext>
-            </a:extLst>
-          </p:cNvPr>
-          <p:cNvSpPr/>
-          <p:nvPr/>
-        </p:nvSpPr>
-        <p:spPr>
-          <a:xfrm>
-            <a:off x="19779580" y="8343095"/>
-            <a:ext cx="12704322" cy="652359"/>
-          </a:xfrm>
-          <a:prstGeom prst="round2DiagRect">
-            <a:avLst/>
-          </a:prstGeom>
-          <a:solidFill>
-            <a:srgbClr val="CC3300"/>
-          </a:solidFill>
-          <a:ln w="63500">
-            <a:solidFill>
-              <a:srgbClr val="CC3300"/>
-            </a:solidFill>
-          </a:ln>
-        </p:spPr>
-        <p:style>
-          <a:lnRef idx="2">
-            <a:schemeClr val="accent1">
-              <a:shade val="50000"/>
-            </a:schemeClr>
-          </a:lnRef>
-          <a:fillRef idx="1">
-            <a:schemeClr val="accent1"/>
-          </a:fillRef>
-          <a:effectRef idx="0">
-            <a:schemeClr val="accent1"/>
-          </a:effectRef>
-          <a:fontRef idx="minor">
-            <a:schemeClr val="lt1"/>
-          </a:fontRef>
-        </p:style>
-        <p:txBody>
-          <a:bodyPr rtlCol="0" anchor="ctr"/>
-          <a:lstStyle/>
-          <a:p>
-            <a:pPr algn="ctr"/>
-            <a:endParaRPr lang="en-US" dirty="0"/>
-          </a:p>
-        </p:txBody>
-      </p:sp>
-      <p:sp>
-        <p:nvSpPr>
-          <p:cNvPr id="55" name="TextBox 54">
-            <a:extLst>
-              <a:ext uri="{FF2B5EF4-FFF2-40B4-BE49-F238E27FC236}">
-                <a16:creationId xmlns:a16="http://schemas.microsoft.com/office/drawing/2014/main" id="{5D03E9C6-3732-2028-BFB2-7F0A529020D0}"/>
-              </a:ext>
-            </a:extLst>
-          </p:cNvPr>
-          <p:cNvSpPr txBox="1"/>
-          <p:nvPr/>
-        </p:nvSpPr>
-        <p:spPr>
-          <a:xfrm>
-            <a:off x="19735807" y="8338858"/>
-            <a:ext cx="7229265" cy="646331"/>
-          </a:xfrm>
-          <a:prstGeom prst="rect">
-            <a:avLst/>
-          </a:prstGeom>
-          <a:noFill/>
-        </p:spPr>
-        <p:txBody>
-          <a:bodyPr wrap="square" rtlCol="0">
-            <a:spAutoFit/>
-          </a:bodyPr>
-          <a:lstStyle/>
-          <a:p>
-            <a:pPr algn="ctr"/>
-            <a:r>
-              <a:rPr lang="en-US" sz="3600" b="1" dirty="0">
-                <a:solidFill>
-                  <a:schemeClr val="bg1"/>
-                </a:solidFill>
-                <a:latin typeface="Times New Roman" panose="02020603050405020304" pitchFamily="18" charset="0"/>
-                <a:cs typeface="Times New Roman" panose="02020603050405020304" pitchFamily="18" charset="0"/>
-              </a:rPr>
-              <a:t>Principal Component Analysis (23)</a:t>
-            </a:r>
-          </a:p>
-        </p:txBody>
-      </p:sp>
-      <p:sp>
-        <p:nvSpPr>
-          <p:cNvPr id="57" name="Rectangle: Diagonal Corners Rounded 56">
-            <a:extLst>
-              <a:ext uri="{FF2B5EF4-FFF2-40B4-BE49-F238E27FC236}">
-                <a16:creationId xmlns:a16="http://schemas.microsoft.com/office/drawing/2014/main" id="{B1130989-D5E6-BDE3-69AC-E4D17D2D6684}"/>
-              </a:ext>
-            </a:extLst>
-          </p:cNvPr>
-          <p:cNvSpPr/>
-          <p:nvPr/>
-        </p:nvSpPr>
-        <p:spPr>
-          <a:xfrm>
-            <a:off x="203068" y="9384967"/>
-            <a:ext cx="7362216" cy="1101855"/>
-          </a:xfrm>
-          <a:prstGeom prst="round2DiagRect">
-            <a:avLst/>
-          </a:prstGeom>
-          <a:solidFill>
-            <a:srgbClr val="CC3300"/>
-          </a:solidFill>
-          <a:ln w="63500">
-            <a:solidFill>
-              <a:srgbClr val="CC3300"/>
-            </a:solidFill>
-          </a:ln>
-        </p:spPr>
-        <p:style>
-          <a:lnRef idx="2">
-            <a:schemeClr val="accent1">
-              <a:shade val="50000"/>
-            </a:schemeClr>
-          </a:lnRef>
-          <a:fillRef idx="1">
-            <a:schemeClr val="accent1"/>
-          </a:fillRef>
-          <a:effectRef idx="0">
-            <a:schemeClr val="accent1"/>
-          </a:effectRef>
-          <a:fontRef idx="minor">
-            <a:schemeClr val="lt1"/>
-          </a:fontRef>
-        </p:style>
-        <p:txBody>
-          <a:bodyPr rtlCol="0" anchor="ctr"/>
-          <a:lstStyle/>
-          <a:p>
-            <a:pPr algn="ctr"/>
-            <a:endParaRPr lang="en-US" dirty="0"/>
-          </a:p>
-        </p:txBody>
-      </p:sp>
-      <p:sp>
-        <p:nvSpPr>
-          <p:cNvPr id="58" name="TextBox 57">
-            <a:extLst>
-              <a:ext uri="{FF2B5EF4-FFF2-40B4-BE49-F238E27FC236}">
-                <a16:creationId xmlns:a16="http://schemas.microsoft.com/office/drawing/2014/main" id="{DB11A139-090D-63C6-88AE-01B51DC59BB4}"/>
-              </a:ext>
-            </a:extLst>
-          </p:cNvPr>
-          <p:cNvSpPr txBox="1"/>
-          <p:nvPr/>
-        </p:nvSpPr>
-        <p:spPr>
-          <a:xfrm>
-            <a:off x="226991" y="9604497"/>
-            <a:ext cx="7357334" cy="646331"/>
-          </a:xfrm>
-          <a:prstGeom prst="rect">
-            <a:avLst/>
-          </a:prstGeom>
-          <a:noFill/>
-        </p:spPr>
-        <p:txBody>
-          <a:bodyPr wrap="square" rtlCol="0">
-            <a:spAutoFit/>
-          </a:bodyPr>
-          <a:lstStyle/>
-          <a:p>
-            <a:pPr algn="ctr"/>
-            <a:r>
-              <a:rPr lang="en-US" sz="3600" b="1" dirty="0">
-                <a:solidFill>
-                  <a:schemeClr val="bg1"/>
-                </a:solidFill>
-                <a:latin typeface="Times New Roman" panose="02020603050405020304" pitchFamily="18" charset="0"/>
-                <a:cs typeface="Times New Roman" panose="02020603050405020304" pitchFamily="18" charset="0"/>
-              </a:rPr>
-              <a:t>Baseline Models</a:t>
-            </a:r>
-          </a:p>
-        </p:txBody>
-      </p:sp>
-      <p:pic>
-        <p:nvPicPr>
-          <p:cNvPr id="66" name="Picture 65" descr="A diagram of a network&#10;&#10;Description automatically generated with low confidence">
-            <a:extLst>
-              <a:ext uri="{FF2B5EF4-FFF2-40B4-BE49-F238E27FC236}">
-                <a16:creationId xmlns:a16="http://schemas.microsoft.com/office/drawing/2014/main" id="{4479A2F7-8E7F-C371-0263-2FA013E958F8}"/>
-              </a:ext>
-            </a:extLst>
-          </p:cNvPr>
-          <p:cNvPicPr>
-            <a:picLocks noChangeAspect="1"/>
-          </p:cNvPicPr>
-          <p:nvPr/>
-        </p:nvPicPr>
-        <p:blipFill>
-          <a:blip r:embed="rId5">
-            <a:extLst>
-              <a:ext uri="{28A0092B-C50C-407E-A947-70E740481C1C}">
-                <a14:useLocalDpi xmlns:a14="http://schemas.microsoft.com/office/drawing/2010/main" val="0"/>
-              </a:ext>
-            </a:extLst>
-          </a:blip>
-          <a:stretch>
-            <a:fillRect/>
-          </a:stretch>
-        </p:blipFill>
-        <p:spPr>
-          <a:xfrm>
-            <a:off x="8360780" y="17448390"/>
+        <p:spPr>
+          <a:xfrm>
+            <a:off x="8722730" y="17315040"/>
             <a:ext cx="6173606" cy="4141143"/>
           </a:xfrm>
           <a:prstGeom prst="rect">
@@ -6409,8 +6410,8 @@
         </p:nvSpPr>
         <p:spPr>
           <a:xfrm>
-            <a:off x="26633715" y="12076055"/>
-            <a:ext cx="5584294" cy="5632311"/>
+            <a:off x="26633714" y="12152255"/>
+            <a:ext cx="5850187" cy="5478423"/>
           </a:xfrm>
           <a:prstGeom prst="rect">
             <a:avLst/>
@@ -6424,11 +6425,11 @@
           <a:lstStyle/>
           <a:p>
             <a:r>
-              <a:rPr lang="en-US" sz="2400" b="1" dirty="0">
-                <a:latin typeface="Times New Roman" panose="02020603050405020304" pitchFamily="18" charset="0"/>
-                <a:cs typeface="Times New Roman" panose="02020603050405020304" pitchFamily="18" charset="0"/>
-              </a:rPr>
-              <a:t>Results &amp; Discussion:</a:t>
+              <a:rPr lang="en-US" sz="2500" b="1" dirty="0">
+                <a:latin typeface="Times New Roman" panose="02020603050405020304" pitchFamily="18" charset="0"/>
+                <a:cs typeface="Times New Roman" panose="02020603050405020304" pitchFamily="18" charset="0"/>
+              </a:rPr>
+              <a:t>	Results &amp; Discussion:</a:t>
             </a:r>
           </a:p>
           <a:p>
@@ -6437,7 +6438,7 @@
               <a:buAutoNum type="arabicPeriod"/>
             </a:pPr>
             <a:r>
-              <a:rPr lang="en-US" sz="2400" dirty="0">
+              <a:rPr lang="en-US" sz="2500" dirty="0">
                 <a:latin typeface="Times New Roman" panose="02020603050405020304" pitchFamily="18" charset="0"/>
                 <a:cs typeface="Times New Roman" panose="02020603050405020304" pitchFamily="18" charset="0"/>
               </a:rPr>
@@ -6450,14 +6451,14 @@
               <a:buAutoNum type="arabicPeriod"/>
             </a:pPr>
             <a:r>
-              <a:rPr lang="en-US" sz="2400" dirty="0">
-                <a:latin typeface="Times New Roman" panose="02020603050405020304" pitchFamily="18" charset="0"/>
-                <a:cs typeface="Times New Roman" panose="02020603050405020304" pitchFamily="18" charset="0"/>
-              </a:rPr>
-              <a:t>SMOTE removes the negative-positive gap, but brings overfitting (</a:t>
-            </a:r>
-            <a:r>
-              <a:rPr lang="en-US" sz="2400" b="1" dirty="0">
+              <a:rPr lang="en-US" sz="2500" dirty="0">
+                <a:latin typeface="Times New Roman" panose="02020603050405020304" pitchFamily="18" charset="0"/>
+                <a:cs typeface="Times New Roman" panose="02020603050405020304" pitchFamily="18" charset="0"/>
+              </a:rPr>
+              <a:t>SMOTE removes the neg-pos gap, but brings overfitting (</a:t>
+            </a:r>
+            <a:r>
+              <a:rPr lang="en-US" sz="2500" b="1" dirty="0">
                 <a:solidFill>
                   <a:srgbClr val="FF0000"/>
                 </a:solidFill>
@@ -6467,7 +6468,7 @@
               <a:t>68.60%</a:t>
             </a:r>
             <a:r>
-              <a:rPr lang="en-US" sz="2400" dirty="0">
+              <a:rPr lang="en-US" sz="2500" dirty="0">
                 <a:latin typeface="Times New Roman" panose="02020603050405020304" pitchFamily="18" charset="0"/>
                 <a:cs typeface="Times New Roman" panose="02020603050405020304" pitchFamily="18" charset="0"/>
               </a:rPr>
@@ -6480,7 +6481,7 @@
               <a:buAutoNum type="arabicPeriod"/>
             </a:pPr>
             <a:r>
-              <a:rPr lang="en-US" sz="2400" dirty="0">
+              <a:rPr lang="en-US" sz="2500" dirty="0">
                 <a:latin typeface="Times New Roman" panose="02020603050405020304" pitchFamily="18" charset="0"/>
                 <a:cs typeface="Times New Roman" panose="02020603050405020304" pitchFamily="18" charset="0"/>
               </a:rPr>
@@ -6493,21 +6494,21 @@
               <a:buAutoNum type="arabicPeriod"/>
             </a:pPr>
             <a:r>
-              <a:rPr lang="en-US" sz="2400" dirty="0">
-                <a:latin typeface="Times New Roman" panose="02020603050405020304" pitchFamily="18" charset="0"/>
-                <a:cs typeface="Times New Roman" panose="02020603050405020304" pitchFamily="18" charset="0"/>
-              </a:rPr>
-              <a:t>4-layers network performs best with 89.61%; 90.91% if convolutional layers are added. </a:t>
-            </a:r>
-          </a:p>
-          <a:p>
-            <a:endParaRPr lang="en-US" sz="2400" dirty="0">
+              <a:rPr lang="en-US" sz="2500" dirty="0">
+                <a:latin typeface="Times New Roman" panose="02020603050405020304" pitchFamily="18" charset="0"/>
+                <a:cs typeface="Times New Roman" panose="02020603050405020304" pitchFamily="18" charset="0"/>
+              </a:rPr>
+              <a:t>Neural network includes 0.8 dropout and gets 90.06%; no convolutional layer in this research. </a:t>
+            </a:r>
+          </a:p>
+          <a:p>
+            <a:endParaRPr lang="en-US" sz="2500" dirty="0">
               <a:latin typeface="Times New Roman" panose="02020603050405020304" pitchFamily="18" charset="0"/>
               <a:cs typeface="Times New Roman" panose="02020603050405020304" pitchFamily="18" charset="0"/>
             </a:endParaRPr>
           </a:p>
           <a:p>
-            <a:endParaRPr lang="en-US" sz="2400" dirty="0">
+            <a:endParaRPr lang="en-US" sz="2500" dirty="0">
               <a:latin typeface="Times New Roman" panose="02020603050405020304" pitchFamily="18" charset="0"/>
               <a:cs typeface="Times New Roman" panose="02020603050405020304" pitchFamily="18" charset="0"/>
             </a:endParaRPr>
@@ -6760,7 +6761,7 @@
         </p:blipFill>
         <p:spPr>
           <a:xfrm>
-            <a:off x="15895043" y="12608280"/>
+            <a:off x="15895043" y="12379680"/>
             <a:ext cx="11172825" cy="4181475"/>
           </a:xfrm>
           <a:prstGeom prst="rect">
